--- a/doc/презентация.pptx
+++ b/doc/презентация.pptx
@@ -14,6 +14,9 @@
     <p:sldId id="260" r:id="rId9"/>
     <p:sldId id="261" r:id="rId10"/>
     <p:sldId id="262" r:id="rId11"/>
+    <p:sldId id="263" r:id="rId12"/>
+    <p:sldId id="264" r:id="rId13"/>
+    <p:sldId id="265" r:id="rId14"/>
   </p:sldIdLst>
   <p:sldSz cx="10080625" cy="5670550"/>
   <p:notesSz cx="7559675" cy="10691813"/>
@@ -71,7 +74,7 @@
         <p:txBody>
           <a:bodyPr/>
           <a:p>
-            <a:fld id="{FF8E6A82-196F-4CA0-BD14-DBE67238BB69}" type="slidenum">
+            <a:fld id="{B37C1D6F-840C-4BF5-B64E-8AA72CC7B874}" type="slidenum">
               <a:t>&lt;#&gt;</a:t>
             </a:fld>
           </a:p>
@@ -132,8 +135,8 @@
         </p:nvSpPr>
         <p:spPr>
           <a:xfrm>
-            <a:off x="504000" y="226080"/>
-            <a:ext cx="9072000" cy="946440"/>
+            <a:off x="504000" y="74160"/>
+            <a:ext cx="9072000" cy="1250280"/>
           </a:xfrm>
           <a:prstGeom prst="rect">
             <a:avLst/>
@@ -148,10 +151,10 @@
             <a:noAutofit/>
           </a:bodyPr>
           <a:p>
-            <a:pPr indent="0">
-              <a:buNone/>
-            </a:pPr>
-            <a:endParaRPr b="0" lang="ru-RU" sz="1800" spc="-1" strike="noStrike">
+            <a:pPr indent="0" algn="ctr">
+              <a:buNone/>
+            </a:pPr>
+            <a:endParaRPr b="0" lang="ru-RU" sz="4400" spc="-1" strike="noStrike">
               <a:solidFill>
                 <a:srgbClr val="000000"/>
               </a:solidFill>
@@ -189,15 +192,12 @@
           </a:bodyPr>
           <a:p>
             <a:pPr indent="0">
-              <a:lnSpc>
-                <a:spcPct val="90000"/>
-              </a:lnSpc>
               <a:spcBef>
                 <a:spcPts val="1417"/>
               </a:spcBef>
               <a:buNone/>
             </a:pPr>
-            <a:endParaRPr b="0" lang="ru-RU" sz="2800" spc="-1" strike="noStrike">
+            <a:endParaRPr b="0" lang="ru-RU" sz="3200" spc="-1" strike="noStrike">
               <a:solidFill>
                 <a:srgbClr val="000000"/>
               </a:solidFill>
@@ -235,15 +235,12 @@
           </a:bodyPr>
           <a:p>
             <a:pPr indent="0">
-              <a:lnSpc>
-                <a:spcPct val="90000"/>
-              </a:lnSpc>
               <a:spcBef>
                 <a:spcPts val="1417"/>
               </a:spcBef>
               <a:buNone/>
             </a:pPr>
-            <a:endParaRPr b="0" lang="ru-RU" sz="2800" spc="-1" strike="noStrike">
+            <a:endParaRPr b="0" lang="ru-RU" sz="3200" spc="-1" strike="noStrike">
               <a:solidFill>
                 <a:srgbClr val="000000"/>
               </a:solidFill>
@@ -286,7 +283,7 @@
         <p:txBody>
           <a:bodyPr/>
           <a:p>
-            <a:fld id="{8A3F02DD-F15E-4A4B-A356-160119757959}" type="slidenum">
+            <a:fld id="{2211179C-76EF-4A12-B0E5-CDB715F04795}" type="slidenum">
               <a:t>&lt;#&gt;</a:t>
             </a:fld>
           </a:p>
@@ -347,8 +344,8 @@
         </p:nvSpPr>
         <p:spPr>
           <a:xfrm>
-            <a:off x="504000" y="226080"/>
-            <a:ext cx="9072000" cy="946440"/>
+            <a:off x="504000" y="74160"/>
+            <a:ext cx="9072000" cy="1250280"/>
           </a:xfrm>
           <a:prstGeom prst="rect">
             <a:avLst/>
@@ -363,10 +360,10 @@
             <a:noAutofit/>
           </a:bodyPr>
           <a:p>
-            <a:pPr indent="0">
-              <a:buNone/>
-            </a:pPr>
-            <a:endParaRPr b="0" lang="ru-RU" sz="1800" spc="-1" strike="noStrike">
+            <a:pPr indent="0" algn="ctr">
+              <a:buNone/>
+            </a:pPr>
+            <a:endParaRPr b="0" lang="ru-RU" sz="4400" spc="-1" strike="noStrike">
               <a:solidFill>
                 <a:srgbClr val="000000"/>
               </a:solidFill>
@@ -404,15 +401,12 @@
           </a:bodyPr>
           <a:p>
             <a:pPr indent="0">
-              <a:lnSpc>
-                <a:spcPct val="90000"/>
-              </a:lnSpc>
               <a:spcBef>
                 <a:spcPts val="1417"/>
               </a:spcBef>
               <a:buNone/>
             </a:pPr>
-            <a:endParaRPr b="0" lang="ru-RU" sz="2800" spc="-1" strike="noStrike">
+            <a:endParaRPr b="0" lang="ru-RU" sz="3200" spc="-1" strike="noStrike">
               <a:solidFill>
                 <a:srgbClr val="000000"/>
               </a:solidFill>
@@ -450,15 +444,12 @@
           </a:bodyPr>
           <a:p>
             <a:pPr indent="0">
-              <a:lnSpc>
-                <a:spcPct val="90000"/>
-              </a:lnSpc>
               <a:spcBef>
                 <a:spcPts val="1417"/>
               </a:spcBef>
               <a:buNone/>
             </a:pPr>
-            <a:endParaRPr b="0" lang="ru-RU" sz="2800" spc="-1" strike="noStrike">
+            <a:endParaRPr b="0" lang="ru-RU" sz="3200" spc="-1" strike="noStrike">
               <a:solidFill>
                 <a:srgbClr val="000000"/>
               </a:solidFill>
@@ -496,15 +487,12 @@
           </a:bodyPr>
           <a:p>
             <a:pPr indent="0">
-              <a:lnSpc>
-                <a:spcPct val="90000"/>
-              </a:lnSpc>
               <a:spcBef>
                 <a:spcPts val="1417"/>
               </a:spcBef>
               <a:buNone/>
             </a:pPr>
-            <a:endParaRPr b="0" lang="ru-RU" sz="2800" spc="-1" strike="noStrike">
+            <a:endParaRPr b="0" lang="ru-RU" sz="3200" spc="-1" strike="noStrike">
               <a:solidFill>
                 <a:srgbClr val="000000"/>
               </a:solidFill>
@@ -542,15 +530,12 @@
           </a:bodyPr>
           <a:p>
             <a:pPr indent="0">
-              <a:lnSpc>
-                <a:spcPct val="90000"/>
-              </a:lnSpc>
               <a:spcBef>
                 <a:spcPts val="1417"/>
               </a:spcBef>
               <a:buNone/>
             </a:pPr>
-            <a:endParaRPr b="0" lang="ru-RU" sz="2800" spc="-1" strike="noStrike">
+            <a:endParaRPr b="0" lang="ru-RU" sz="3200" spc="-1" strike="noStrike">
               <a:solidFill>
                 <a:srgbClr val="000000"/>
               </a:solidFill>
@@ -593,7 +578,7 @@
         <p:txBody>
           <a:bodyPr/>
           <a:p>
-            <a:fld id="{B40622FB-0A9A-433A-BEED-F4CAB5805F0A}" type="slidenum">
+            <a:fld id="{6E16E791-EC6D-4D43-98FE-B5963D1494CF}" type="slidenum">
               <a:t>&lt;#&gt;</a:t>
             </a:fld>
           </a:p>
@@ -654,8 +639,8 @@
         </p:nvSpPr>
         <p:spPr>
           <a:xfrm>
-            <a:off x="504000" y="226080"/>
-            <a:ext cx="9072000" cy="946440"/>
+            <a:off x="504000" y="74160"/>
+            <a:ext cx="9072000" cy="1250280"/>
           </a:xfrm>
           <a:prstGeom prst="rect">
             <a:avLst/>
@@ -670,10 +655,10 @@
             <a:noAutofit/>
           </a:bodyPr>
           <a:p>
-            <a:pPr indent="0">
-              <a:buNone/>
-            </a:pPr>
-            <a:endParaRPr b="0" lang="ru-RU" sz="1800" spc="-1" strike="noStrike">
+            <a:pPr indent="0" algn="ctr">
+              <a:buNone/>
+            </a:pPr>
+            <a:endParaRPr b="0" lang="ru-RU" sz="4400" spc="-1" strike="noStrike">
               <a:solidFill>
                 <a:srgbClr val="000000"/>
               </a:solidFill>
@@ -707,19 +692,16 @@
         </p:spPr>
         <p:txBody>
           <a:bodyPr lIns="0" rIns="0" tIns="0" bIns="0" anchor="t">
-            <a:normAutofit fontScale="93000"/>
+            <a:normAutofit fontScale="82000"/>
           </a:bodyPr>
           <a:p>
             <a:pPr indent="0">
-              <a:lnSpc>
-                <a:spcPct val="90000"/>
-              </a:lnSpc>
               <a:spcBef>
                 <a:spcPts val="1417"/>
               </a:spcBef>
               <a:buNone/>
             </a:pPr>
-            <a:endParaRPr b="0" lang="ru-RU" sz="2800" spc="-1" strike="noStrike">
+            <a:endParaRPr b="0" lang="ru-RU" sz="3200" spc="-1" strike="noStrike">
               <a:solidFill>
                 <a:srgbClr val="000000"/>
               </a:solidFill>
@@ -753,19 +735,16 @@
         </p:spPr>
         <p:txBody>
           <a:bodyPr lIns="0" rIns="0" tIns="0" bIns="0" anchor="t">
-            <a:normAutofit fontScale="93000"/>
+            <a:normAutofit fontScale="82000"/>
           </a:bodyPr>
           <a:p>
             <a:pPr indent="0">
-              <a:lnSpc>
-                <a:spcPct val="90000"/>
-              </a:lnSpc>
               <a:spcBef>
                 <a:spcPts val="1417"/>
               </a:spcBef>
               <a:buNone/>
             </a:pPr>
-            <a:endParaRPr b="0" lang="ru-RU" sz="2800" spc="-1" strike="noStrike">
+            <a:endParaRPr b="0" lang="ru-RU" sz="3200" spc="-1" strike="noStrike">
               <a:solidFill>
                 <a:srgbClr val="000000"/>
               </a:solidFill>
@@ -799,19 +778,16 @@
         </p:spPr>
         <p:txBody>
           <a:bodyPr lIns="0" rIns="0" tIns="0" bIns="0" anchor="t">
-            <a:normAutofit fontScale="93000"/>
+            <a:normAutofit fontScale="82000"/>
           </a:bodyPr>
           <a:p>
             <a:pPr indent="0">
-              <a:lnSpc>
-                <a:spcPct val="90000"/>
-              </a:lnSpc>
               <a:spcBef>
                 <a:spcPts val="1417"/>
               </a:spcBef>
               <a:buNone/>
             </a:pPr>
-            <a:endParaRPr b="0" lang="ru-RU" sz="2800" spc="-1" strike="noStrike">
+            <a:endParaRPr b="0" lang="ru-RU" sz="3200" spc="-1" strike="noStrike">
               <a:solidFill>
                 <a:srgbClr val="000000"/>
               </a:solidFill>
@@ -845,19 +821,16 @@
         </p:spPr>
         <p:txBody>
           <a:bodyPr lIns="0" rIns="0" tIns="0" bIns="0" anchor="t">
-            <a:normAutofit fontScale="93000"/>
+            <a:normAutofit fontScale="82000"/>
           </a:bodyPr>
           <a:p>
             <a:pPr indent="0">
-              <a:lnSpc>
-                <a:spcPct val="90000"/>
-              </a:lnSpc>
               <a:spcBef>
                 <a:spcPts val="1417"/>
               </a:spcBef>
               <a:buNone/>
             </a:pPr>
-            <a:endParaRPr b="0" lang="ru-RU" sz="2800" spc="-1" strike="noStrike">
+            <a:endParaRPr b="0" lang="ru-RU" sz="3200" spc="-1" strike="noStrike">
               <a:solidFill>
                 <a:srgbClr val="000000"/>
               </a:solidFill>
@@ -891,19 +864,16 @@
         </p:spPr>
         <p:txBody>
           <a:bodyPr lIns="0" rIns="0" tIns="0" bIns="0" anchor="t">
-            <a:normAutofit fontScale="93000"/>
+            <a:normAutofit fontScale="82000"/>
           </a:bodyPr>
           <a:p>
             <a:pPr indent="0">
-              <a:lnSpc>
-                <a:spcPct val="90000"/>
-              </a:lnSpc>
               <a:spcBef>
                 <a:spcPts val="1417"/>
               </a:spcBef>
               <a:buNone/>
             </a:pPr>
-            <a:endParaRPr b="0" lang="ru-RU" sz="2800" spc="-1" strike="noStrike">
+            <a:endParaRPr b="0" lang="ru-RU" sz="3200" spc="-1" strike="noStrike">
               <a:solidFill>
                 <a:srgbClr val="000000"/>
               </a:solidFill>
@@ -937,19 +907,16 @@
         </p:spPr>
         <p:txBody>
           <a:bodyPr lIns="0" rIns="0" tIns="0" bIns="0" anchor="t">
-            <a:normAutofit fontScale="93000"/>
+            <a:normAutofit fontScale="82000"/>
           </a:bodyPr>
           <a:p>
             <a:pPr indent="0">
-              <a:lnSpc>
-                <a:spcPct val="90000"/>
-              </a:lnSpc>
               <a:spcBef>
                 <a:spcPts val="1417"/>
               </a:spcBef>
               <a:buNone/>
             </a:pPr>
-            <a:endParaRPr b="0" lang="ru-RU" sz="2800" spc="-1" strike="noStrike">
+            <a:endParaRPr b="0" lang="ru-RU" sz="3200" spc="-1" strike="noStrike">
               <a:solidFill>
                 <a:srgbClr val="000000"/>
               </a:solidFill>
@@ -992,7 +959,7 @@
         <p:txBody>
           <a:bodyPr/>
           <a:p>
-            <a:fld id="{A40932D9-20FB-4CE4-BB36-AA671410EE4E}" type="slidenum">
+            <a:fld id="{02B7E194-A8ED-41B1-A964-693442C1252D}" type="slidenum">
               <a:t>&lt;#&gt;</a:t>
             </a:fld>
           </a:p>
@@ -1116,8 +1083,8 @@
         </p:nvSpPr>
         <p:spPr>
           <a:xfrm>
-            <a:off x="504000" y="226080"/>
-            <a:ext cx="9072000" cy="946440"/>
+            <a:off x="504000" y="74160"/>
+            <a:ext cx="9072000" cy="1250280"/>
           </a:xfrm>
           <a:prstGeom prst="rect">
             <a:avLst/>
@@ -1132,10 +1099,10 @@
             <a:noAutofit/>
           </a:bodyPr>
           <a:p>
-            <a:pPr indent="0">
-              <a:buNone/>
-            </a:pPr>
-            <a:endParaRPr b="0" lang="ru-RU" sz="1800" spc="-1" strike="noStrike">
+            <a:pPr indent="0" algn="ctr">
+              <a:buNone/>
+            </a:pPr>
+            <a:endParaRPr b="0" lang="ru-RU" sz="4400" spc="-1" strike="noStrike">
               <a:solidFill>
                 <a:srgbClr val="000000"/>
               </a:solidFill>
@@ -1259,8 +1226,8 @@
         </p:nvSpPr>
         <p:spPr>
           <a:xfrm>
-            <a:off x="504000" y="226080"/>
-            <a:ext cx="9072000" cy="946440"/>
+            <a:off x="504000" y="74160"/>
+            <a:ext cx="9072000" cy="1250280"/>
           </a:xfrm>
           <a:prstGeom prst="rect">
             <a:avLst/>
@@ -1275,10 +1242,10 @@
             <a:noAutofit/>
           </a:bodyPr>
           <a:p>
-            <a:pPr indent="0">
-              <a:buNone/>
-            </a:pPr>
-            <a:endParaRPr b="0" lang="ru-RU" sz="1800" spc="-1" strike="noStrike">
+            <a:pPr indent="0" algn="ctr">
+              <a:buNone/>
+            </a:pPr>
+            <a:endParaRPr b="0" lang="ru-RU" sz="4400" spc="-1" strike="noStrike">
               <a:solidFill>
                 <a:srgbClr val="000000"/>
               </a:solidFill>
@@ -1316,15 +1283,12 @@
           </a:bodyPr>
           <a:p>
             <a:pPr indent="0">
-              <a:lnSpc>
-                <a:spcPct val="90000"/>
-              </a:lnSpc>
               <a:spcBef>
                 <a:spcPts val="1417"/>
               </a:spcBef>
               <a:buNone/>
             </a:pPr>
-            <a:endParaRPr b="0" lang="ru-RU" sz="2800" spc="-1" strike="noStrike">
+            <a:endParaRPr b="0" lang="ru-RU" sz="3200" spc="-1" strike="noStrike">
               <a:solidFill>
                 <a:srgbClr val="000000"/>
               </a:solidFill>
@@ -1408,8 +1372,8 @@
         </p:nvSpPr>
         <p:spPr>
           <a:xfrm>
-            <a:off x="504000" y="226080"/>
-            <a:ext cx="9072000" cy="946440"/>
+            <a:off x="504000" y="74160"/>
+            <a:ext cx="9072000" cy="1250280"/>
           </a:xfrm>
           <a:prstGeom prst="rect">
             <a:avLst/>
@@ -1424,10 +1388,10 @@
             <a:noAutofit/>
           </a:bodyPr>
           <a:p>
-            <a:pPr indent="0">
-              <a:buNone/>
-            </a:pPr>
-            <a:endParaRPr b="0" lang="ru-RU" sz="1800" spc="-1" strike="noStrike">
+            <a:pPr indent="0" algn="ctr">
+              <a:buNone/>
+            </a:pPr>
+            <a:endParaRPr b="0" lang="ru-RU" sz="4400" spc="-1" strike="noStrike">
               <a:solidFill>
                 <a:srgbClr val="000000"/>
               </a:solidFill>
@@ -1465,15 +1429,12 @@
           </a:bodyPr>
           <a:p>
             <a:pPr indent="0">
-              <a:lnSpc>
-                <a:spcPct val="90000"/>
-              </a:lnSpc>
               <a:spcBef>
                 <a:spcPts val="1417"/>
               </a:spcBef>
               <a:buNone/>
             </a:pPr>
-            <a:endParaRPr b="0" lang="ru-RU" sz="2800" spc="-1" strike="noStrike">
+            <a:endParaRPr b="0" lang="ru-RU" sz="3200" spc="-1" strike="noStrike">
               <a:solidFill>
                 <a:srgbClr val="000000"/>
               </a:solidFill>
@@ -1511,15 +1472,12 @@
           </a:bodyPr>
           <a:p>
             <a:pPr indent="0">
-              <a:lnSpc>
-                <a:spcPct val="90000"/>
-              </a:lnSpc>
               <a:spcBef>
                 <a:spcPts val="1417"/>
               </a:spcBef>
               <a:buNone/>
             </a:pPr>
-            <a:endParaRPr b="0" lang="ru-RU" sz="2800" spc="-1" strike="noStrike">
+            <a:endParaRPr b="0" lang="ru-RU" sz="3200" spc="-1" strike="noStrike">
               <a:solidFill>
                 <a:srgbClr val="000000"/>
               </a:solidFill>
@@ -1603,8 +1561,8 @@
         </p:nvSpPr>
         <p:spPr>
           <a:xfrm>
-            <a:off x="504000" y="226080"/>
-            <a:ext cx="9072000" cy="946440"/>
+            <a:off x="504000" y="74160"/>
+            <a:ext cx="9072000" cy="1250280"/>
           </a:xfrm>
           <a:prstGeom prst="rect">
             <a:avLst/>
@@ -1619,10 +1577,10 @@
             <a:noAutofit/>
           </a:bodyPr>
           <a:p>
-            <a:pPr indent="0">
-              <a:buNone/>
-            </a:pPr>
-            <a:endParaRPr b="0" lang="ru-RU" sz="1800" spc="-1" strike="noStrike">
+            <a:pPr indent="0" algn="ctr">
+              <a:buNone/>
+            </a:pPr>
+            <a:endParaRPr b="0" lang="ru-RU" sz="4400" spc="-1" strike="noStrike">
               <a:solidFill>
                 <a:srgbClr val="000000"/>
               </a:solidFill>
@@ -1807,8 +1765,8 @@
         </p:nvSpPr>
         <p:spPr>
           <a:xfrm>
-            <a:off x="504000" y="226080"/>
-            <a:ext cx="9072000" cy="946440"/>
+            <a:off x="504000" y="74160"/>
+            <a:ext cx="9072000" cy="1250280"/>
           </a:xfrm>
           <a:prstGeom prst="rect">
             <a:avLst/>
@@ -1823,10 +1781,10 @@
             <a:noAutofit/>
           </a:bodyPr>
           <a:p>
-            <a:pPr indent="0">
-              <a:buNone/>
-            </a:pPr>
-            <a:endParaRPr b="0" lang="ru-RU" sz="1800" spc="-1" strike="noStrike">
+            <a:pPr indent="0" algn="ctr">
+              <a:buNone/>
+            </a:pPr>
+            <a:endParaRPr b="0" lang="ru-RU" sz="4400" spc="-1" strike="noStrike">
               <a:solidFill>
                 <a:srgbClr val="000000"/>
               </a:solidFill>
@@ -1864,15 +1822,12 @@
           </a:bodyPr>
           <a:p>
             <a:pPr indent="0">
-              <a:lnSpc>
-                <a:spcPct val="90000"/>
-              </a:lnSpc>
               <a:spcBef>
                 <a:spcPts val="1417"/>
               </a:spcBef>
               <a:buNone/>
             </a:pPr>
-            <a:endParaRPr b="0" lang="ru-RU" sz="2800" spc="-1" strike="noStrike">
+            <a:endParaRPr b="0" lang="ru-RU" sz="3200" spc="-1" strike="noStrike">
               <a:solidFill>
                 <a:srgbClr val="000000"/>
               </a:solidFill>
@@ -1910,15 +1865,12 @@
           </a:bodyPr>
           <a:p>
             <a:pPr indent="0">
-              <a:lnSpc>
-                <a:spcPct val="90000"/>
-              </a:lnSpc>
               <a:spcBef>
                 <a:spcPts val="1417"/>
               </a:spcBef>
               <a:buNone/>
             </a:pPr>
-            <a:endParaRPr b="0" lang="ru-RU" sz="2800" spc="-1" strike="noStrike">
+            <a:endParaRPr b="0" lang="ru-RU" sz="3200" spc="-1" strike="noStrike">
               <a:solidFill>
                 <a:srgbClr val="000000"/>
               </a:solidFill>
@@ -1956,15 +1908,12 @@
           </a:bodyPr>
           <a:p>
             <a:pPr indent="0">
-              <a:lnSpc>
-                <a:spcPct val="90000"/>
-              </a:lnSpc>
               <a:spcBef>
                 <a:spcPts val="1417"/>
               </a:spcBef>
               <a:buNone/>
             </a:pPr>
-            <a:endParaRPr b="0" lang="ru-RU" sz="2800" spc="-1" strike="noStrike">
+            <a:endParaRPr b="0" lang="ru-RU" sz="3200" spc="-1" strike="noStrike">
               <a:solidFill>
                 <a:srgbClr val="000000"/>
               </a:solidFill>
@@ -2048,8 +1997,8 @@
         </p:nvSpPr>
         <p:spPr>
           <a:xfrm>
-            <a:off x="504000" y="226080"/>
-            <a:ext cx="9072000" cy="946440"/>
+            <a:off x="504000" y="74160"/>
+            <a:ext cx="9072000" cy="1250280"/>
           </a:xfrm>
           <a:prstGeom prst="rect">
             <a:avLst/>
@@ -2064,10 +2013,10 @@
             <a:noAutofit/>
           </a:bodyPr>
           <a:p>
-            <a:pPr indent="0">
-              <a:buNone/>
-            </a:pPr>
-            <a:endParaRPr b="0" lang="ru-RU" sz="1800" spc="-1" strike="noStrike">
+            <a:pPr indent="0" algn="ctr">
+              <a:buNone/>
+            </a:pPr>
+            <a:endParaRPr b="0" lang="ru-RU" sz="4400" spc="-1" strike="noStrike">
               <a:solidFill>
                 <a:srgbClr val="000000"/>
               </a:solidFill>
@@ -2150,7 +2099,7 @@
         <p:txBody>
           <a:bodyPr/>
           <a:p>
-            <a:fld id="{44B017E7-CF4B-4483-BD45-DC16EB1A8937}" type="slidenum">
+            <a:fld id="{ED7147A0-7F3C-4222-A992-51C4A34D1916}" type="slidenum">
               <a:t>&lt;#&gt;</a:t>
             </a:fld>
           </a:p>
@@ -2211,8 +2160,8 @@
         </p:nvSpPr>
         <p:spPr>
           <a:xfrm>
-            <a:off x="504000" y="226080"/>
-            <a:ext cx="9072000" cy="946440"/>
+            <a:off x="504000" y="74160"/>
+            <a:ext cx="9072000" cy="1250280"/>
           </a:xfrm>
           <a:prstGeom prst="rect">
             <a:avLst/>
@@ -2227,10 +2176,10 @@
             <a:noAutofit/>
           </a:bodyPr>
           <a:p>
-            <a:pPr indent="0">
-              <a:buNone/>
-            </a:pPr>
-            <a:endParaRPr b="0" lang="ru-RU" sz="1800" spc="-1" strike="noStrike">
+            <a:pPr indent="0" algn="ctr">
+              <a:buNone/>
+            </a:pPr>
+            <a:endParaRPr b="0" lang="ru-RU" sz="4400" spc="-1" strike="noStrike">
               <a:solidFill>
                 <a:srgbClr val="000000"/>
               </a:solidFill>
@@ -2268,15 +2217,12 @@
           </a:bodyPr>
           <a:p>
             <a:pPr indent="0">
-              <a:lnSpc>
-                <a:spcPct val="90000"/>
-              </a:lnSpc>
               <a:spcBef>
                 <a:spcPts val="1417"/>
               </a:spcBef>
               <a:buNone/>
             </a:pPr>
-            <a:endParaRPr b="0" lang="ru-RU" sz="2800" spc="-1" strike="noStrike">
+            <a:endParaRPr b="0" lang="ru-RU" sz="3200" spc="-1" strike="noStrike">
               <a:solidFill>
                 <a:srgbClr val="000000"/>
               </a:solidFill>
@@ -2314,15 +2260,12 @@
           </a:bodyPr>
           <a:p>
             <a:pPr indent="0">
-              <a:lnSpc>
-                <a:spcPct val="90000"/>
-              </a:lnSpc>
               <a:spcBef>
                 <a:spcPts val="1417"/>
               </a:spcBef>
               <a:buNone/>
             </a:pPr>
-            <a:endParaRPr b="0" lang="ru-RU" sz="2800" spc="-1" strike="noStrike">
+            <a:endParaRPr b="0" lang="ru-RU" sz="3200" spc="-1" strike="noStrike">
               <a:solidFill>
                 <a:srgbClr val="000000"/>
               </a:solidFill>
@@ -2360,15 +2303,12 @@
           </a:bodyPr>
           <a:p>
             <a:pPr indent="0">
-              <a:lnSpc>
-                <a:spcPct val="90000"/>
-              </a:lnSpc>
               <a:spcBef>
                 <a:spcPts val="1417"/>
               </a:spcBef>
               <a:buNone/>
             </a:pPr>
-            <a:endParaRPr b="0" lang="ru-RU" sz="2800" spc="-1" strike="noStrike">
+            <a:endParaRPr b="0" lang="ru-RU" sz="3200" spc="-1" strike="noStrike">
               <a:solidFill>
                 <a:srgbClr val="000000"/>
               </a:solidFill>
@@ -2452,8 +2392,8 @@
         </p:nvSpPr>
         <p:spPr>
           <a:xfrm>
-            <a:off x="504000" y="226080"/>
-            <a:ext cx="9072000" cy="946440"/>
+            <a:off x="504000" y="74160"/>
+            <a:ext cx="9072000" cy="1250280"/>
           </a:xfrm>
           <a:prstGeom prst="rect">
             <a:avLst/>
@@ -2468,10 +2408,10 @@
             <a:noAutofit/>
           </a:bodyPr>
           <a:p>
-            <a:pPr indent="0">
-              <a:buNone/>
-            </a:pPr>
-            <a:endParaRPr b="0" lang="ru-RU" sz="1800" spc="-1" strike="noStrike">
+            <a:pPr indent="0" algn="ctr">
+              <a:buNone/>
+            </a:pPr>
+            <a:endParaRPr b="0" lang="ru-RU" sz="4400" spc="-1" strike="noStrike">
               <a:solidFill>
                 <a:srgbClr val="000000"/>
               </a:solidFill>
@@ -2509,15 +2449,12 @@
           </a:bodyPr>
           <a:p>
             <a:pPr indent="0">
-              <a:lnSpc>
-                <a:spcPct val="90000"/>
-              </a:lnSpc>
               <a:spcBef>
                 <a:spcPts val="1417"/>
               </a:spcBef>
               <a:buNone/>
             </a:pPr>
-            <a:endParaRPr b="0" lang="ru-RU" sz="2800" spc="-1" strike="noStrike">
+            <a:endParaRPr b="0" lang="ru-RU" sz="3200" spc="-1" strike="noStrike">
               <a:solidFill>
                 <a:srgbClr val="000000"/>
               </a:solidFill>
@@ -2555,15 +2492,12 @@
           </a:bodyPr>
           <a:p>
             <a:pPr indent="0">
-              <a:lnSpc>
-                <a:spcPct val="90000"/>
-              </a:lnSpc>
               <a:spcBef>
                 <a:spcPts val="1417"/>
               </a:spcBef>
               <a:buNone/>
             </a:pPr>
-            <a:endParaRPr b="0" lang="ru-RU" sz="2800" spc="-1" strike="noStrike">
+            <a:endParaRPr b="0" lang="ru-RU" sz="3200" spc="-1" strike="noStrike">
               <a:solidFill>
                 <a:srgbClr val="000000"/>
               </a:solidFill>
@@ -2601,15 +2535,12 @@
           </a:bodyPr>
           <a:p>
             <a:pPr indent="0">
-              <a:lnSpc>
-                <a:spcPct val="90000"/>
-              </a:lnSpc>
               <a:spcBef>
                 <a:spcPts val="1417"/>
               </a:spcBef>
               <a:buNone/>
             </a:pPr>
-            <a:endParaRPr b="0" lang="ru-RU" sz="2800" spc="-1" strike="noStrike">
+            <a:endParaRPr b="0" lang="ru-RU" sz="3200" spc="-1" strike="noStrike">
               <a:solidFill>
                 <a:srgbClr val="000000"/>
               </a:solidFill>
@@ -2693,8 +2624,8 @@
         </p:nvSpPr>
         <p:spPr>
           <a:xfrm>
-            <a:off x="504000" y="226080"/>
-            <a:ext cx="9072000" cy="946440"/>
+            <a:off x="504000" y="74160"/>
+            <a:ext cx="9072000" cy="1250280"/>
           </a:xfrm>
           <a:prstGeom prst="rect">
             <a:avLst/>
@@ -2709,10 +2640,10 @@
             <a:noAutofit/>
           </a:bodyPr>
           <a:p>
-            <a:pPr indent="0">
-              <a:buNone/>
-            </a:pPr>
-            <a:endParaRPr b="0" lang="ru-RU" sz="1800" spc="-1" strike="noStrike">
+            <a:pPr indent="0" algn="ctr">
+              <a:buNone/>
+            </a:pPr>
+            <a:endParaRPr b="0" lang="ru-RU" sz="4400" spc="-1" strike="noStrike">
               <a:solidFill>
                 <a:srgbClr val="000000"/>
               </a:solidFill>
@@ -2750,15 +2681,12 @@
           </a:bodyPr>
           <a:p>
             <a:pPr indent="0">
-              <a:lnSpc>
-                <a:spcPct val="90000"/>
-              </a:lnSpc>
               <a:spcBef>
                 <a:spcPts val="1417"/>
               </a:spcBef>
               <a:buNone/>
             </a:pPr>
-            <a:endParaRPr b="0" lang="ru-RU" sz="2800" spc="-1" strike="noStrike">
+            <a:endParaRPr b="0" lang="ru-RU" sz="3200" spc="-1" strike="noStrike">
               <a:solidFill>
                 <a:srgbClr val="000000"/>
               </a:solidFill>
@@ -2796,15 +2724,12 @@
           </a:bodyPr>
           <a:p>
             <a:pPr indent="0">
-              <a:lnSpc>
-                <a:spcPct val="90000"/>
-              </a:lnSpc>
               <a:spcBef>
                 <a:spcPts val="1417"/>
               </a:spcBef>
               <a:buNone/>
             </a:pPr>
-            <a:endParaRPr b="0" lang="ru-RU" sz="2800" spc="-1" strike="noStrike">
+            <a:endParaRPr b="0" lang="ru-RU" sz="3200" spc="-1" strike="noStrike">
               <a:solidFill>
                 <a:srgbClr val="000000"/>
               </a:solidFill>
@@ -2888,8 +2813,8 @@
         </p:nvSpPr>
         <p:spPr>
           <a:xfrm>
-            <a:off x="504000" y="226080"/>
-            <a:ext cx="9072000" cy="946440"/>
+            <a:off x="504000" y="74160"/>
+            <a:ext cx="9072000" cy="1250280"/>
           </a:xfrm>
           <a:prstGeom prst="rect">
             <a:avLst/>
@@ -2904,10 +2829,10 @@
             <a:noAutofit/>
           </a:bodyPr>
           <a:p>
-            <a:pPr indent="0">
-              <a:buNone/>
-            </a:pPr>
-            <a:endParaRPr b="0" lang="ru-RU" sz="1800" spc="-1" strike="noStrike">
+            <a:pPr indent="0" algn="ctr">
+              <a:buNone/>
+            </a:pPr>
+            <a:endParaRPr b="0" lang="ru-RU" sz="4400" spc="-1" strike="noStrike">
               <a:solidFill>
                 <a:srgbClr val="000000"/>
               </a:solidFill>
@@ -2945,15 +2870,12 @@
           </a:bodyPr>
           <a:p>
             <a:pPr indent="0">
-              <a:lnSpc>
-                <a:spcPct val="90000"/>
-              </a:lnSpc>
               <a:spcBef>
                 <a:spcPts val="1417"/>
               </a:spcBef>
               <a:buNone/>
             </a:pPr>
-            <a:endParaRPr b="0" lang="ru-RU" sz="2800" spc="-1" strike="noStrike">
+            <a:endParaRPr b="0" lang="ru-RU" sz="3200" spc="-1" strike="noStrike">
               <a:solidFill>
                 <a:srgbClr val="000000"/>
               </a:solidFill>
@@ -2991,15 +2913,12 @@
           </a:bodyPr>
           <a:p>
             <a:pPr indent="0">
-              <a:lnSpc>
-                <a:spcPct val="90000"/>
-              </a:lnSpc>
               <a:spcBef>
                 <a:spcPts val="1417"/>
               </a:spcBef>
               <a:buNone/>
             </a:pPr>
-            <a:endParaRPr b="0" lang="ru-RU" sz="2800" spc="-1" strike="noStrike">
+            <a:endParaRPr b="0" lang="ru-RU" sz="3200" spc="-1" strike="noStrike">
               <a:solidFill>
                 <a:srgbClr val="000000"/>
               </a:solidFill>
@@ -3037,15 +2956,12 @@
           </a:bodyPr>
           <a:p>
             <a:pPr indent="0">
-              <a:lnSpc>
-                <a:spcPct val="90000"/>
-              </a:lnSpc>
               <a:spcBef>
                 <a:spcPts val="1417"/>
               </a:spcBef>
               <a:buNone/>
             </a:pPr>
-            <a:endParaRPr b="0" lang="ru-RU" sz="2800" spc="-1" strike="noStrike">
+            <a:endParaRPr b="0" lang="ru-RU" sz="3200" spc="-1" strike="noStrike">
               <a:solidFill>
                 <a:srgbClr val="000000"/>
               </a:solidFill>
@@ -3083,15 +2999,12 @@
           </a:bodyPr>
           <a:p>
             <a:pPr indent="0">
-              <a:lnSpc>
-                <a:spcPct val="90000"/>
-              </a:lnSpc>
               <a:spcBef>
                 <a:spcPts val="1417"/>
               </a:spcBef>
               <a:buNone/>
             </a:pPr>
-            <a:endParaRPr b="0" lang="ru-RU" sz="2800" spc="-1" strike="noStrike">
+            <a:endParaRPr b="0" lang="ru-RU" sz="3200" spc="-1" strike="noStrike">
               <a:solidFill>
                 <a:srgbClr val="000000"/>
               </a:solidFill>
@@ -3175,8 +3088,8 @@
         </p:nvSpPr>
         <p:spPr>
           <a:xfrm>
-            <a:off x="504000" y="226080"/>
-            <a:ext cx="9072000" cy="946440"/>
+            <a:off x="504000" y="74160"/>
+            <a:ext cx="9072000" cy="1250280"/>
           </a:xfrm>
           <a:prstGeom prst="rect">
             <a:avLst/>
@@ -3191,10 +3104,10 @@
             <a:noAutofit/>
           </a:bodyPr>
           <a:p>
-            <a:pPr indent="0">
-              <a:buNone/>
-            </a:pPr>
-            <a:endParaRPr b="0" lang="ru-RU" sz="1800" spc="-1" strike="noStrike">
+            <a:pPr indent="0" algn="ctr">
+              <a:buNone/>
+            </a:pPr>
+            <a:endParaRPr b="0" lang="ru-RU" sz="4400" spc="-1" strike="noStrike">
               <a:solidFill>
                 <a:srgbClr val="000000"/>
               </a:solidFill>
@@ -3228,19 +3141,16 @@
         </p:spPr>
         <p:txBody>
           <a:bodyPr lIns="0" rIns="0" tIns="0" bIns="0" anchor="t">
-            <a:normAutofit fontScale="93000"/>
+            <a:normAutofit fontScale="82000"/>
           </a:bodyPr>
           <a:p>
             <a:pPr indent="0">
-              <a:lnSpc>
-                <a:spcPct val="90000"/>
-              </a:lnSpc>
               <a:spcBef>
                 <a:spcPts val="1417"/>
               </a:spcBef>
               <a:buNone/>
             </a:pPr>
-            <a:endParaRPr b="0" lang="ru-RU" sz="2800" spc="-1" strike="noStrike">
+            <a:endParaRPr b="0" lang="ru-RU" sz="3200" spc="-1" strike="noStrike">
               <a:solidFill>
                 <a:srgbClr val="000000"/>
               </a:solidFill>
@@ -3274,19 +3184,16 @@
         </p:spPr>
         <p:txBody>
           <a:bodyPr lIns="0" rIns="0" tIns="0" bIns="0" anchor="t">
-            <a:normAutofit fontScale="93000"/>
+            <a:normAutofit fontScale="82000"/>
           </a:bodyPr>
           <a:p>
             <a:pPr indent="0">
-              <a:lnSpc>
-                <a:spcPct val="90000"/>
-              </a:lnSpc>
               <a:spcBef>
                 <a:spcPts val="1417"/>
               </a:spcBef>
               <a:buNone/>
             </a:pPr>
-            <a:endParaRPr b="0" lang="ru-RU" sz="2800" spc="-1" strike="noStrike">
+            <a:endParaRPr b="0" lang="ru-RU" sz="3200" spc="-1" strike="noStrike">
               <a:solidFill>
                 <a:srgbClr val="000000"/>
               </a:solidFill>
@@ -3320,19 +3227,16 @@
         </p:spPr>
         <p:txBody>
           <a:bodyPr lIns="0" rIns="0" tIns="0" bIns="0" anchor="t">
-            <a:normAutofit fontScale="93000"/>
+            <a:normAutofit fontScale="82000"/>
           </a:bodyPr>
           <a:p>
             <a:pPr indent="0">
-              <a:lnSpc>
-                <a:spcPct val="90000"/>
-              </a:lnSpc>
               <a:spcBef>
                 <a:spcPts val="1417"/>
               </a:spcBef>
               <a:buNone/>
             </a:pPr>
-            <a:endParaRPr b="0" lang="ru-RU" sz="2800" spc="-1" strike="noStrike">
+            <a:endParaRPr b="0" lang="ru-RU" sz="3200" spc="-1" strike="noStrike">
               <a:solidFill>
                 <a:srgbClr val="000000"/>
               </a:solidFill>
@@ -3366,19 +3270,16 @@
         </p:spPr>
         <p:txBody>
           <a:bodyPr lIns="0" rIns="0" tIns="0" bIns="0" anchor="t">
-            <a:normAutofit fontScale="93000"/>
+            <a:normAutofit fontScale="82000"/>
           </a:bodyPr>
           <a:p>
             <a:pPr indent="0">
-              <a:lnSpc>
-                <a:spcPct val="90000"/>
-              </a:lnSpc>
               <a:spcBef>
                 <a:spcPts val="1417"/>
               </a:spcBef>
               <a:buNone/>
             </a:pPr>
-            <a:endParaRPr b="0" lang="ru-RU" sz="2800" spc="-1" strike="noStrike">
+            <a:endParaRPr b="0" lang="ru-RU" sz="3200" spc="-1" strike="noStrike">
               <a:solidFill>
                 <a:srgbClr val="000000"/>
               </a:solidFill>
@@ -3412,19 +3313,16 @@
         </p:spPr>
         <p:txBody>
           <a:bodyPr lIns="0" rIns="0" tIns="0" bIns="0" anchor="t">
-            <a:normAutofit fontScale="93000"/>
+            <a:normAutofit fontScale="82000"/>
           </a:bodyPr>
           <a:p>
             <a:pPr indent="0">
-              <a:lnSpc>
-                <a:spcPct val="90000"/>
-              </a:lnSpc>
               <a:spcBef>
                 <a:spcPts val="1417"/>
               </a:spcBef>
               <a:buNone/>
             </a:pPr>
-            <a:endParaRPr b="0" lang="ru-RU" sz="2800" spc="-1" strike="noStrike">
+            <a:endParaRPr b="0" lang="ru-RU" sz="3200" spc="-1" strike="noStrike">
               <a:solidFill>
                 <a:srgbClr val="000000"/>
               </a:solidFill>
@@ -3458,19 +3356,16 @@
         </p:spPr>
         <p:txBody>
           <a:bodyPr lIns="0" rIns="0" tIns="0" bIns="0" anchor="t">
-            <a:normAutofit fontScale="93000"/>
+            <a:normAutofit fontScale="82000"/>
           </a:bodyPr>
           <a:p>
             <a:pPr indent="0">
-              <a:lnSpc>
-                <a:spcPct val="90000"/>
-              </a:lnSpc>
               <a:spcBef>
                 <a:spcPts val="1417"/>
               </a:spcBef>
               <a:buNone/>
             </a:pPr>
-            <a:endParaRPr b="0" lang="ru-RU" sz="2800" spc="-1" strike="noStrike">
+            <a:endParaRPr b="0" lang="ru-RU" sz="3200" spc="-1" strike="noStrike">
               <a:solidFill>
                 <a:srgbClr val="000000"/>
               </a:solidFill>
@@ -3617,8 +3512,8 @@
         </p:nvSpPr>
         <p:spPr>
           <a:xfrm>
-            <a:off x="504000" y="226080"/>
-            <a:ext cx="9072000" cy="946440"/>
+            <a:off x="504000" y="74160"/>
+            <a:ext cx="9072000" cy="1250280"/>
           </a:xfrm>
           <a:prstGeom prst="rect">
             <a:avLst/>
@@ -3633,10 +3528,10 @@
             <a:noAutofit/>
           </a:bodyPr>
           <a:p>
-            <a:pPr indent="0">
-              <a:buNone/>
-            </a:pPr>
-            <a:endParaRPr b="0" lang="ru-RU" sz="1800" spc="-1" strike="noStrike">
+            <a:pPr indent="0" algn="ctr">
+              <a:buNone/>
+            </a:pPr>
+            <a:endParaRPr b="0" lang="ru-RU" sz="4400" spc="-1" strike="noStrike">
               <a:solidFill>
                 <a:srgbClr val="000000"/>
               </a:solidFill>
@@ -3760,8 +3655,8 @@
         </p:nvSpPr>
         <p:spPr>
           <a:xfrm>
-            <a:off x="504000" y="226080"/>
-            <a:ext cx="9072000" cy="946440"/>
+            <a:off x="504000" y="74160"/>
+            <a:ext cx="9072000" cy="1250280"/>
           </a:xfrm>
           <a:prstGeom prst="rect">
             <a:avLst/>
@@ -3776,10 +3671,10 @@
             <a:noAutofit/>
           </a:bodyPr>
           <a:p>
-            <a:pPr indent="0">
-              <a:buNone/>
-            </a:pPr>
-            <a:endParaRPr b="0" lang="ru-RU" sz="1800" spc="-1" strike="noStrike">
+            <a:pPr indent="0" algn="ctr">
+              <a:buNone/>
+            </a:pPr>
+            <a:endParaRPr b="0" lang="ru-RU" sz="4400" spc="-1" strike="noStrike">
               <a:solidFill>
                 <a:srgbClr val="000000"/>
               </a:solidFill>
@@ -3817,15 +3712,12 @@
           </a:bodyPr>
           <a:p>
             <a:pPr indent="0">
-              <a:lnSpc>
-                <a:spcPct val="90000"/>
-              </a:lnSpc>
               <a:spcBef>
                 <a:spcPts val="1417"/>
               </a:spcBef>
               <a:buNone/>
             </a:pPr>
-            <a:endParaRPr b="0" lang="ru-RU" sz="2800" spc="-1" strike="noStrike">
+            <a:endParaRPr b="0" lang="ru-RU" sz="3200" spc="-1" strike="noStrike">
               <a:solidFill>
                 <a:srgbClr val="000000"/>
               </a:solidFill>
@@ -3909,8 +3801,8 @@
         </p:nvSpPr>
         <p:spPr>
           <a:xfrm>
-            <a:off x="504000" y="226080"/>
-            <a:ext cx="9072000" cy="946440"/>
+            <a:off x="504000" y="74160"/>
+            <a:ext cx="9072000" cy="1250280"/>
           </a:xfrm>
           <a:prstGeom prst="rect">
             <a:avLst/>
@@ -3925,10 +3817,10 @@
             <a:noAutofit/>
           </a:bodyPr>
           <a:p>
-            <a:pPr indent="0">
-              <a:buNone/>
-            </a:pPr>
-            <a:endParaRPr b="0" lang="ru-RU" sz="1800" spc="-1" strike="noStrike">
+            <a:pPr indent="0" algn="ctr">
+              <a:buNone/>
+            </a:pPr>
+            <a:endParaRPr b="0" lang="ru-RU" sz="4400" spc="-1" strike="noStrike">
               <a:solidFill>
                 <a:srgbClr val="000000"/>
               </a:solidFill>
@@ -3966,15 +3858,12 @@
           </a:bodyPr>
           <a:p>
             <a:pPr indent="0">
-              <a:lnSpc>
-                <a:spcPct val="90000"/>
-              </a:lnSpc>
               <a:spcBef>
                 <a:spcPts val="1417"/>
               </a:spcBef>
               <a:buNone/>
             </a:pPr>
-            <a:endParaRPr b="0" lang="ru-RU" sz="2800" spc="-1" strike="noStrike">
+            <a:endParaRPr b="0" lang="ru-RU" sz="3200" spc="-1" strike="noStrike">
               <a:solidFill>
                 <a:srgbClr val="000000"/>
               </a:solidFill>
@@ -4012,15 +3901,12 @@
           </a:bodyPr>
           <a:p>
             <a:pPr indent="0">
-              <a:lnSpc>
-                <a:spcPct val="90000"/>
-              </a:lnSpc>
               <a:spcBef>
                 <a:spcPts val="1417"/>
               </a:spcBef>
               <a:buNone/>
             </a:pPr>
-            <a:endParaRPr b="0" lang="ru-RU" sz="2800" spc="-1" strike="noStrike">
+            <a:endParaRPr b="0" lang="ru-RU" sz="3200" spc="-1" strike="noStrike">
               <a:solidFill>
                 <a:srgbClr val="000000"/>
               </a:solidFill>
@@ -4104,8 +3990,8 @@
         </p:nvSpPr>
         <p:spPr>
           <a:xfrm>
-            <a:off x="504000" y="226080"/>
-            <a:ext cx="9072000" cy="946440"/>
+            <a:off x="504000" y="74160"/>
+            <a:ext cx="9072000" cy="1250280"/>
           </a:xfrm>
           <a:prstGeom prst="rect">
             <a:avLst/>
@@ -4120,10 +4006,10 @@
             <a:noAutofit/>
           </a:bodyPr>
           <a:p>
-            <a:pPr indent="0">
-              <a:buNone/>
-            </a:pPr>
-            <a:endParaRPr b="0" lang="ru-RU" sz="1800" spc="-1" strike="noStrike">
+            <a:pPr indent="0" algn="ctr">
+              <a:buNone/>
+            </a:pPr>
+            <a:endParaRPr b="0" lang="ru-RU" sz="4400" spc="-1" strike="noStrike">
               <a:solidFill>
                 <a:srgbClr val="000000"/>
               </a:solidFill>
@@ -4207,8 +4093,8 @@
         </p:nvSpPr>
         <p:spPr>
           <a:xfrm>
-            <a:off x="504000" y="226080"/>
-            <a:ext cx="9072000" cy="946440"/>
+            <a:off x="504000" y="74160"/>
+            <a:ext cx="9072000" cy="1250280"/>
           </a:xfrm>
           <a:prstGeom prst="rect">
             <a:avLst/>
@@ -4223,10 +4109,10 @@
             <a:noAutofit/>
           </a:bodyPr>
           <a:p>
-            <a:pPr indent="0">
-              <a:buNone/>
-            </a:pPr>
-            <a:endParaRPr b="0" lang="ru-RU" sz="1800" spc="-1" strike="noStrike">
+            <a:pPr indent="0" algn="ctr">
+              <a:buNone/>
+            </a:pPr>
+            <a:endParaRPr b="0" lang="ru-RU" sz="4400" spc="-1" strike="noStrike">
               <a:solidFill>
                 <a:srgbClr val="000000"/>
               </a:solidFill>
@@ -4264,15 +4150,12 @@
           </a:bodyPr>
           <a:p>
             <a:pPr indent="0">
-              <a:lnSpc>
-                <a:spcPct val="90000"/>
-              </a:lnSpc>
               <a:spcBef>
                 <a:spcPts val="1417"/>
               </a:spcBef>
               <a:buNone/>
             </a:pPr>
-            <a:endParaRPr b="0" lang="ru-RU" sz="2800" spc="-1" strike="noStrike">
+            <a:endParaRPr b="0" lang="ru-RU" sz="3200" spc="-1" strike="noStrike">
               <a:solidFill>
                 <a:srgbClr val="000000"/>
               </a:solidFill>
@@ -4315,7 +4198,7 @@
         <p:txBody>
           <a:bodyPr/>
           <a:p>
-            <a:fld id="{9E9234C8-3B88-41CA-B97C-75E23A32A2CD}" type="slidenum">
+            <a:fld id="{6BE70F07-BF2C-4EFF-BD03-B9A577618414}" type="slidenum">
               <a:t>&lt;#&gt;</a:t>
             </a:fld>
           </a:p>
@@ -4477,8 +4360,8 @@
         </p:nvSpPr>
         <p:spPr>
           <a:xfrm>
-            <a:off x="504000" y="226080"/>
-            <a:ext cx="9072000" cy="946440"/>
+            <a:off x="504000" y="74160"/>
+            <a:ext cx="9072000" cy="1250280"/>
           </a:xfrm>
           <a:prstGeom prst="rect">
             <a:avLst/>
@@ -4493,10 +4376,10 @@
             <a:noAutofit/>
           </a:bodyPr>
           <a:p>
-            <a:pPr indent="0">
-              <a:buNone/>
-            </a:pPr>
-            <a:endParaRPr b="0" lang="ru-RU" sz="1800" spc="-1" strike="noStrike">
+            <a:pPr indent="0" algn="ctr">
+              <a:buNone/>
+            </a:pPr>
+            <a:endParaRPr b="0" lang="ru-RU" sz="4400" spc="-1" strike="noStrike">
               <a:solidFill>
                 <a:srgbClr val="000000"/>
               </a:solidFill>
@@ -4534,15 +4417,12 @@
           </a:bodyPr>
           <a:p>
             <a:pPr indent="0">
-              <a:lnSpc>
-                <a:spcPct val="90000"/>
-              </a:lnSpc>
               <a:spcBef>
                 <a:spcPts val="1417"/>
               </a:spcBef>
               <a:buNone/>
             </a:pPr>
-            <a:endParaRPr b="0" lang="ru-RU" sz="2800" spc="-1" strike="noStrike">
+            <a:endParaRPr b="0" lang="ru-RU" sz="3200" spc="-1" strike="noStrike">
               <a:solidFill>
                 <a:srgbClr val="000000"/>
               </a:solidFill>
@@ -4580,15 +4460,12 @@
           </a:bodyPr>
           <a:p>
             <a:pPr indent="0">
-              <a:lnSpc>
-                <a:spcPct val="90000"/>
-              </a:lnSpc>
               <a:spcBef>
                 <a:spcPts val="1417"/>
               </a:spcBef>
               <a:buNone/>
             </a:pPr>
-            <a:endParaRPr b="0" lang="ru-RU" sz="2800" spc="-1" strike="noStrike">
+            <a:endParaRPr b="0" lang="ru-RU" sz="3200" spc="-1" strike="noStrike">
               <a:solidFill>
                 <a:srgbClr val="000000"/>
               </a:solidFill>
@@ -4626,15 +4503,12 @@
           </a:bodyPr>
           <a:p>
             <a:pPr indent="0">
-              <a:lnSpc>
-                <a:spcPct val="90000"/>
-              </a:lnSpc>
               <a:spcBef>
                 <a:spcPts val="1417"/>
               </a:spcBef>
               <a:buNone/>
             </a:pPr>
-            <a:endParaRPr b="0" lang="ru-RU" sz="2800" spc="-1" strike="noStrike">
+            <a:endParaRPr b="0" lang="ru-RU" sz="3200" spc="-1" strike="noStrike">
               <a:solidFill>
                 <a:srgbClr val="000000"/>
               </a:solidFill>
@@ -4718,8 +4592,8 @@
         </p:nvSpPr>
         <p:spPr>
           <a:xfrm>
-            <a:off x="504000" y="226080"/>
-            <a:ext cx="9072000" cy="946440"/>
+            <a:off x="504000" y="74160"/>
+            <a:ext cx="9072000" cy="1250280"/>
           </a:xfrm>
           <a:prstGeom prst="rect">
             <a:avLst/>
@@ -4734,10 +4608,10 @@
             <a:noAutofit/>
           </a:bodyPr>
           <a:p>
-            <a:pPr indent="0">
-              <a:buNone/>
-            </a:pPr>
-            <a:endParaRPr b="0" lang="ru-RU" sz="1800" spc="-1" strike="noStrike">
+            <a:pPr indent="0" algn="ctr">
+              <a:buNone/>
+            </a:pPr>
+            <a:endParaRPr b="0" lang="ru-RU" sz="4400" spc="-1" strike="noStrike">
               <a:solidFill>
                 <a:srgbClr val="000000"/>
               </a:solidFill>
@@ -4775,15 +4649,12 @@
           </a:bodyPr>
           <a:p>
             <a:pPr indent="0">
-              <a:lnSpc>
-                <a:spcPct val="90000"/>
-              </a:lnSpc>
               <a:spcBef>
                 <a:spcPts val="1417"/>
               </a:spcBef>
               <a:buNone/>
             </a:pPr>
-            <a:endParaRPr b="0" lang="ru-RU" sz="2800" spc="-1" strike="noStrike">
+            <a:endParaRPr b="0" lang="ru-RU" sz="3200" spc="-1" strike="noStrike">
               <a:solidFill>
                 <a:srgbClr val="000000"/>
               </a:solidFill>
@@ -4821,15 +4692,12 @@
           </a:bodyPr>
           <a:p>
             <a:pPr indent="0">
-              <a:lnSpc>
-                <a:spcPct val="90000"/>
-              </a:lnSpc>
               <a:spcBef>
                 <a:spcPts val="1417"/>
               </a:spcBef>
               <a:buNone/>
             </a:pPr>
-            <a:endParaRPr b="0" lang="ru-RU" sz="2800" spc="-1" strike="noStrike">
+            <a:endParaRPr b="0" lang="ru-RU" sz="3200" spc="-1" strike="noStrike">
               <a:solidFill>
                 <a:srgbClr val="000000"/>
               </a:solidFill>
@@ -4867,15 +4735,12 @@
           </a:bodyPr>
           <a:p>
             <a:pPr indent="0">
-              <a:lnSpc>
-                <a:spcPct val="90000"/>
-              </a:lnSpc>
               <a:spcBef>
                 <a:spcPts val="1417"/>
               </a:spcBef>
               <a:buNone/>
             </a:pPr>
-            <a:endParaRPr b="0" lang="ru-RU" sz="2800" spc="-1" strike="noStrike">
+            <a:endParaRPr b="0" lang="ru-RU" sz="3200" spc="-1" strike="noStrike">
               <a:solidFill>
                 <a:srgbClr val="000000"/>
               </a:solidFill>
@@ -4959,8 +4824,8 @@
         </p:nvSpPr>
         <p:spPr>
           <a:xfrm>
-            <a:off x="504000" y="226080"/>
-            <a:ext cx="9072000" cy="946440"/>
+            <a:off x="504000" y="74160"/>
+            <a:ext cx="9072000" cy="1250280"/>
           </a:xfrm>
           <a:prstGeom prst="rect">
             <a:avLst/>
@@ -4975,10 +4840,10 @@
             <a:noAutofit/>
           </a:bodyPr>
           <a:p>
-            <a:pPr indent="0">
-              <a:buNone/>
-            </a:pPr>
-            <a:endParaRPr b="0" lang="ru-RU" sz="1800" spc="-1" strike="noStrike">
+            <a:pPr indent="0" algn="ctr">
+              <a:buNone/>
+            </a:pPr>
+            <a:endParaRPr b="0" lang="ru-RU" sz="4400" spc="-1" strike="noStrike">
               <a:solidFill>
                 <a:srgbClr val="000000"/>
               </a:solidFill>
@@ -5016,15 +4881,12 @@
           </a:bodyPr>
           <a:p>
             <a:pPr indent="0">
-              <a:lnSpc>
-                <a:spcPct val="90000"/>
-              </a:lnSpc>
               <a:spcBef>
                 <a:spcPts val="1417"/>
               </a:spcBef>
               <a:buNone/>
             </a:pPr>
-            <a:endParaRPr b="0" lang="ru-RU" sz="2800" spc="-1" strike="noStrike">
+            <a:endParaRPr b="0" lang="ru-RU" sz="3200" spc="-1" strike="noStrike">
               <a:solidFill>
                 <a:srgbClr val="000000"/>
               </a:solidFill>
@@ -5062,15 +4924,12 @@
           </a:bodyPr>
           <a:p>
             <a:pPr indent="0">
-              <a:lnSpc>
-                <a:spcPct val="90000"/>
-              </a:lnSpc>
               <a:spcBef>
                 <a:spcPts val="1417"/>
               </a:spcBef>
               <a:buNone/>
             </a:pPr>
-            <a:endParaRPr b="0" lang="ru-RU" sz="2800" spc="-1" strike="noStrike">
+            <a:endParaRPr b="0" lang="ru-RU" sz="3200" spc="-1" strike="noStrike">
               <a:solidFill>
                 <a:srgbClr val="000000"/>
               </a:solidFill>
@@ -5108,15 +4967,12 @@
           </a:bodyPr>
           <a:p>
             <a:pPr indent="0">
-              <a:lnSpc>
-                <a:spcPct val="90000"/>
-              </a:lnSpc>
               <a:spcBef>
                 <a:spcPts val="1417"/>
               </a:spcBef>
               <a:buNone/>
             </a:pPr>
-            <a:endParaRPr b="0" lang="ru-RU" sz="2800" spc="-1" strike="noStrike">
+            <a:endParaRPr b="0" lang="ru-RU" sz="3200" spc="-1" strike="noStrike">
               <a:solidFill>
                 <a:srgbClr val="000000"/>
               </a:solidFill>
@@ -5200,8 +5056,8 @@
         </p:nvSpPr>
         <p:spPr>
           <a:xfrm>
-            <a:off x="504000" y="226080"/>
-            <a:ext cx="9072000" cy="946440"/>
+            <a:off x="504000" y="74160"/>
+            <a:ext cx="9072000" cy="1250280"/>
           </a:xfrm>
           <a:prstGeom prst="rect">
             <a:avLst/>
@@ -5216,10 +5072,10 @@
             <a:noAutofit/>
           </a:bodyPr>
           <a:p>
-            <a:pPr indent="0">
-              <a:buNone/>
-            </a:pPr>
-            <a:endParaRPr b="0" lang="ru-RU" sz="1800" spc="-1" strike="noStrike">
+            <a:pPr indent="0" algn="ctr">
+              <a:buNone/>
+            </a:pPr>
+            <a:endParaRPr b="0" lang="ru-RU" sz="4400" spc="-1" strike="noStrike">
               <a:solidFill>
                 <a:srgbClr val="000000"/>
               </a:solidFill>
@@ -5257,15 +5113,12 @@
           </a:bodyPr>
           <a:p>
             <a:pPr indent="0">
-              <a:lnSpc>
-                <a:spcPct val="90000"/>
-              </a:lnSpc>
               <a:spcBef>
                 <a:spcPts val="1417"/>
               </a:spcBef>
               <a:buNone/>
             </a:pPr>
-            <a:endParaRPr b="0" lang="ru-RU" sz="2800" spc="-1" strike="noStrike">
+            <a:endParaRPr b="0" lang="ru-RU" sz="3200" spc="-1" strike="noStrike">
               <a:solidFill>
                 <a:srgbClr val="000000"/>
               </a:solidFill>
@@ -5303,15 +5156,12 @@
           </a:bodyPr>
           <a:p>
             <a:pPr indent="0">
-              <a:lnSpc>
-                <a:spcPct val="90000"/>
-              </a:lnSpc>
               <a:spcBef>
                 <a:spcPts val="1417"/>
               </a:spcBef>
               <a:buNone/>
             </a:pPr>
-            <a:endParaRPr b="0" lang="ru-RU" sz="2800" spc="-1" strike="noStrike">
+            <a:endParaRPr b="0" lang="ru-RU" sz="3200" spc="-1" strike="noStrike">
               <a:solidFill>
                 <a:srgbClr val="000000"/>
               </a:solidFill>
@@ -5395,8 +5245,8 @@
         </p:nvSpPr>
         <p:spPr>
           <a:xfrm>
-            <a:off x="504000" y="226080"/>
-            <a:ext cx="9072000" cy="946440"/>
+            <a:off x="504000" y="74160"/>
+            <a:ext cx="9072000" cy="1250280"/>
           </a:xfrm>
           <a:prstGeom prst="rect">
             <a:avLst/>
@@ -5411,10 +5261,10 @@
             <a:noAutofit/>
           </a:bodyPr>
           <a:p>
-            <a:pPr indent="0">
-              <a:buNone/>
-            </a:pPr>
-            <a:endParaRPr b="0" lang="ru-RU" sz="1800" spc="-1" strike="noStrike">
+            <a:pPr indent="0" algn="ctr">
+              <a:buNone/>
+            </a:pPr>
+            <a:endParaRPr b="0" lang="ru-RU" sz="4400" spc="-1" strike="noStrike">
               <a:solidFill>
                 <a:srgbClr val="000000"/>
               </a:solidFill>
@@ -5452,15 +5302,12 @@
           </a:bodyPr>
           <a:p>
             <a:pPr indent="0">
-              <a:lnSpc>
-                <a:spcPct val="90000"/>
-              </a:lnSpc>
               <a:spcBef>
                 <a:spcPts val="1417"/>
               </a:spcBef>
               <a:buNone/>
             </a:pPr>
-            <a:endParaRPr b="0" lang="ru-RU" sz="2800" spc="-1" strike="noStrike">
+            <a:endParaRPr b="0" lang="ru-RU" sz="3200" spc="-1" strike="noStrike">
               <a:solidFill>
                 <a:srgbClr val="000000"/>
               </a:solidFill>
@@ -5498,15 +5345,12 @@
           </a:bodyPr>
           <a:p>
             <a:pPr indent="0">
-              <a:lnSpc>
-                <a:spcPct val="90000"/>
-              </a:lnSpc>
               <a:spcBef>
                 <a:spcPts val="1417"/>
               </a:spcBef>
               <a:buNone/>
             </a:pPr>
-            <a:endParaRPr b="0" lang="ru-RU" sz="2800" spc="-1" strike="noStrike">
+            <a:endParaRPr b="0" lang="ru-RU" sz="3200" spc="-1" strike="noStrike">
               <a:solidFill>
                 <a:srgbClr val="000000"/>
               </a:solidFill>
@@ -5544,15 +5388,12 @@
           </a:bodyPr>
           <a:p>
             <a:pPr indent="0">
-              <a:lnSpc>
-                <a:spcPct val="90000"/>
-              </a:lnSpc>
               <a:spcBef>
                 <a:spcPts val="1417"/>
               </a:spcBef>
               <a:buNone/>
             </a:pPr>
-            <a:endParaRPr b="0" lang="ru-RU" sz="2800" spc="-1" strike="noStrike">
+            <a:endParaRPr b="0" lang="ru-RU" sz="3200" spc="-1" strike="noStrike">
               <a:solidFill>
                 <a:srgbClr val="000000"/>
               </a:solidFill>
@@ -5590,15 +5431,12 @@
           </a:bodyPr>
           <a:p>
             <a:pPr indent="0">
-              <a:lnSpc>
-                <a:spcPct val="90000"/>
-              </a:lnSpc>
               <a:spcBef>
                 <a:spcPts val="1417"/>
               </a:spcBef>
               <a:buNone/>
             </a:pPr>
-            <a:endParaRPr b="0" lang="ru-RU" sz="2800" spc="-1" strike="noStrike">
+            <a:endParaRPr b="0" lang="ru-RU" sz="3200" spc="-1" strike="noStrike">
               <a:solidFill>
                 <a:srgbClr val="000000"/>
               </a:solidFill>
@@ -5682,8 +5520,8 @@
         </p:nvSpPr>
         <p:spPr>
           <a:xfrm>
-            <a:off x="504000" y="226080"/>
-            <a:ext cx="9072000" cy="946440"/>
+            <a:off x="504000" y="74160"/>
+            <a:ext cx="9072000" cy="1250280"/>
           </a:xfrm>
           <a:prstGeom prst="rect">
             <a:avLst/>
@@ -5698,10 +5536,10 @@
             <a:noAutofit/>
           </a:bodyPr>
           <a:p>
-            <a:pPr indent="0">
-              <a:buNone/>
-            </a:pPr>
-            <a:endParaRPr b="0" lang="ru-RU" sz="1800" spc="-1" strike="noStrike">
+            <a:pPr indent="0" algn="ctr">
+              <a:buNone/>
+            </a:pPr>
+            <a:endParaRPr b="0" lang="ru-RU" sz="4400" spc="-1" strike="noStrike">
               <a:solidFill>
                 <a:srgbClr val="000000"/>
               </a:solidFill>
@@ -5735,19 +5573,16 @@
         </p:spPr>
         <p:txBody>
           <a:bodyPr lIns="0" rIns="0" tIns="0" bIns="0" anchor="t">
-            <a:normAutofit fontScale="93000"/>
+            <a:normAutofit fontScale="82000"/>
           </a:bodyPr>
           <a:p>
             <a:pPr indent="0">
-              <a:lnSpc>
-                <a:spcPct val="90000"/>
-              </a:lnSpc>
               <a:spcBef>
                 <a:spcPts val="1417"/>
               </a:spcBef>
               <a:buNone/>
             </a:pPr>
-            <a:endParaRPr b="0" lang="ru-RU" sz="2800" spc="-1" strike="noStrike">
+            <a:endParaRPr b="0" lang="ru-RU" sz="3200" spc="-1" strike="noStrike">
               <a:solidFill>
                 <a:srgbClr val="000000"/>
               </a:solidFill>
@@ -5781,19 +5616,16 @@
         </p:spPr>
         <p:txBody>
           <a:bodyPr lIns="0" rIns="0" tIns="0" bIns="0" anchor="t">
-            <a:normAutofit fontScale="93000"/>
+            <a:normAutofit fontScale="82000"/>
           </a:bodyPr>
           <a:p>
             <a:pPr indent="0">
-              <a:lnSpc>
-                <a:spcPct val="90000"/>
-              </a:lnSpc>
               <a:spcBef>
                 <a:spcPts val="1417"/>
               </a:spcBef>
               <a:buNone/>
             </a:pPr>
-            <a:endParaRPr b="0" lang="ru-RU" sz="2800" spc="-1" strike="noStrike">
+            <a:endParaRPr b="0" lang="ru-RU" sz="3200" spc="-1" strike="noStrike">
               <a:solidFill>
                 <a:srgbClr val="000000"/>
               </a:solidFill>
@@ -5827,19 +5659,16 @@
         </p:spPr>
         <p:txBody>
           <a:bodyPr lIns="0" rIns="0" tIns="0" bIns="0" anchor="t">
-            <a:normAutofit fontScale="93000"/>
+            <a:normAutofit fontScale="82000"/>
           </a:bodyPr>
           <a:p>
             <a:pPr indent="0">
-              <a:lnSpc>
-                <a:spcPct val="90000"/>
-              </a:lnSpc>
               <a:spcBef>
                 <a:spcPts val="1417"/>
               </a:spcBef>
               <a:buNone/>
             </a:pPr>
-            <a:endParaRPr b="0" lang="ru-RU" sz="2800" spc="-1" strike="noStrike">
+            <a:endParaRPr b="0" lang="ru-RU" sz="3200" spc="-1" strike="noStrike">
               <a:solidFill>
                 <a:srgbClr val="000000"/>
               </a:solidFill>
@@ -5873,19 +5702,16 @@
         </p:spPr>
         <p:txBody>
           <a:bodyPr lIns="0" rIns="0" tIns="0" bIns="0" anchor="t">
-            <a:normAutofit fontScale="93000"/>
+            <a:normAutofit fontScale="82000"/>
           </a:bodyPr>
           <a:p>
             <a:pPr indent="0">
-              <a:lnSpc>
-                <a:spcPct val="90000"/>
-              </a:lnSpc>
               <a:spcBef>
                 <a:spcPts val="1417"/>
               </a:spcBef>
               <a:buNone/>
             </a:pPr>
-            <a:endParaRPr b="0" lang="ru-RU" sz="2800" spc="-1" strike="noStrike">
+            <a:endParaRPr b="0" lang="ru-RU" sz="3200" spc="-1" strike="noStrike">
               <a:solidFill>
                 <a:srgbClr val="000000"/>
               </a:solidFill>
@@ -5919,19 +5745,16 @@
         </p:spPr>
         <p:txBody>
           <a:bodyPr lIns="0" rIns="0" tIns="0" bIns="0" anchor="t">
-            <a:normAutofit fontScale="93000"/>
+            <a:normAutofit fontScale="82000"/>
           </a:bodyPr>
           <a:p>
             <a:pPr indent="0">
-              <a:lnSpc>
-                <a:spcPct val="90000"/>
-              </a:lnSpc>
               <a:spcBef>
                 <a:spcPts val="1417"/>
               </a:spcBef>
               <a:buNone/>
             </a:pPr>
-            <a:endParaRPr b="0" lang="ru-RU" sz="2800" spc="-1" strike="noStrike">
+            <a:endParaRPr b="0" lang="ru-RU" sz="3200" spc="-1" strike="noStrike">
               <a:solidFill>
                 <a:srgbClr val="000000"/>
               </a:solidFill>
@@ -5965,19 +5788,16 @@
         </p:spPr>
         <p:txBody>
           <a:bodyPr lIns="0" rIns="0" tIns="0" bIns="0" anchor="t">
-            <a:normAutofit fontScale="93000"/>
+            <a:normAutofit fontScale="82000"/>
           </a:bodyPr>
           <a:p>
             <a:pPr indent="0">
-              <a:lnSpc>
-                <a:spcPct val="90000"/>
-              </a:lnSpc>
               <a:spcBef>
                 <a:spcPts val="1417"/>
               </a:spcBef>
               <a:buNone/>
             </a:pPr>
-            <a:endParaRPr b="0" lang="ru-RU" sz="2800" spc="-1" strike="noStrike">
+            <a:endParaRPr b="0" lang="ru-RU" sz="3200" spc="-1" strike="noStrike">
               <a:solidFill>
                 <a:srgbClr val="000000"/>
               </a:solidFill>
@@ -6061,8 +5881,8 @@
         </p:nvSpPr>
         <p:spPr>
           <a:xfrm>
-            <a:off x="504000" y="226080"/>
-            <a:ext cx="9072000" cy="946440"/>
+            <a:off x="504000" y="74160"/>
+            <a:ext cx="9072000" cy="1250280"/>
           </a:xfrm>
           <a:prstGeom prst="rect">
             <a:avLst/>
@@ -6077,10 +5897,10 @@
             <a:noAutofit/>
           </a:bodyPr>
           <a:p>
-            <a:pPr indent="0">
-              <a:buNone/>
-            </a:pPr>
-            <a:endParaRPr b="0" lang="ru-RU" sz="1800" spc="-1" strike="noStrike">
+            <a:pPr indent="0" algn="ctr">
+              <a:buNone/>
+            </a:pPr>
+            <a:endParaRPr b="0" lang="ru-RU" sz="4400" spc="-1" strike="noStrike">
               <a:solidFill>
                 <a:srgbClr val="000000"/>
               </a:solidFill>
@@ -6118,15 +5938,12 @@
           </a:bodyPr>
           <a:p>
             <a:pPr indent="0">
-              <a:lnSpc>
-                <a:spcPct val="90000"/>
-              </a:lnSpc>
               <a:spcBef>
                 <a:spcPts val="1417"/>
               </a:spcBef>
               <a:buNone/>
             </a:pPr>
-            <a:endParaRPr b="0" lang="ru-RU" sz="2800" spc="-1" strike="noStrike">
+            <a:endParaRPr b="0" lang="ru-RU" sz="3200" spc="-1" strike="noStrike">
               <a:solidFill>
                 <a:srgbClr val="000000"/>
               </a:solidFill>
@@ -6164,15 +5981,12 @@
           </a:bodyPr>
           <a:p>
             <a:pPr indent="0">
-              <a:lnSpc>
-                <a:spcPct val="90000"/>
-              </a:lnSpc>
               <a:spcBef>
                 <a:spcPts val="1417"/>
               </a:spcBef>
               <a:buNone/>
             </a:pPr>
-            <a:endParaRPr b="0" lang="ru-RU" sz="2800" spc="-1" strike="noStrike">
+            <a:endParaRPr b="0" lang="ru-RU" sz="3200" spc="-1" strike="noStrike">
               <a:solidFill>
                 <a:srgbClr val="000000"/>
               </a:solidFill>
@@ -6215,7 +6029,7 @@
         <p:txBody>
           <a:bodyPr/>
           <a:p>
-            <a:fld id="{51127916-1E0B-4FF1-A2DD-A3425E89989E}" type="slidenum">
+            <a:fld id="{B53857E9-4AA5-4D7E-8C74-659C5768F071}" type="slidenum">
               <a:t>&lt;#&gt;</a:t>
             </a:fld>
           </a:p>
@@ -6276,8 +6090,8 @@
         </p:nvSpPr>
         <p:spPr>
           <a:xfrm>
-            <a:off x="504000" y="226080"/>
-            <a:ext cx="9072000" cy="946440"/>
+            <a:off x="504000" y="74160"/>
+            <a:ext cx="9072000" cy="1250280"/>
           </a:xfrm>
           <a:prstGeom prst="rect">
             <a:avLst/>
@@ -6292,10 +6106,10 @@
             <a:noAutofit/>
           </a:bodyPr>
           <a:p>
-            <a:pPr indent="0">
-              <a:buNone/>
-            </a:pPr>
-            <a:endParaRPr b="0" lang="ru-RU" sz="1800" spc="-1" strike="noStrike">
+            <a:pPr indent="0" algn="ctr">
+              <a:buNone/>
+            </a:pPr>
+            <a:endParaRPr b="0" lang="ru-RU" sz="4400" spc="-1" strike="noStrike">
               <a:solidFill>
                 <a:srgbClr val="000000"/>
               </a:solidFill>
@@ -6338,7 +6152,7 @@
         <p:txBody>
           <a:bodyPr/>
           <a:p>
-            <a:fld id="{299FE589-2969-43E1-83AE-D5A895CE255A}" type="slidenum">
+            <a:fld id="{97E0CFD3-7F79-4B54-AEE1-AB8C3598B057}" type="slidenum">
               <a:t>&lt;#&gt;</a:t>
             </a:fld>
           </a:p>
@@ -6459,7 +6273,7 @@
         <p:txBody>
           <a:bodyPr/>
           <a:p>
-            <a:fld id="{683C1965-63FE-4B48-85EE-94C0D775A11B}" type="slidenum">
+            <a:fld id="{940E7C87-1A06-47B9-9901-C8B414279079}" type="slidenum">
               <a:t>&lt;#&gt;</a:t>
             </a:fld>
           </a:p>
@@ -6520,8 +6334,8 @@
         </p:nvSpPr>
         <p:spPr>
           <a:xfrm>
-            <a:off x="504000" y="226080"/>
-            <a:ext cx="9072000" cy="946440"/>
+            <a:off x="504000" y="74160"/>
+            <a:ext cx="9072000" cy="1250280"/>
           </a:xfrm>
           <a:prstGeom prst="rect">
             <a:avLst/>
@@ -6536,10 +6350,10 @@
             <a:noAutofit/>
           </a:bodyPr>
           <a:p>
-            <a:pPr indent="0">
-              <a:buNone/>
-            </a:pPr>
-            <a:endParaRPr b="0" lang="ru-RU" sz="1800" spc="-1" strike="noStrike">
+            <a:pPr indent="0" algn="ctr">
+              <a:buNone/>
+            </a:pPr>
+            <a:endParaRPr b="0" lang="ru-RU" sz="4400" spc="-1" strike="noStrike">
               <a:solidFill>
                 <a:srgbClr val="000000"/>
               </a:solidFill>
@@ -6577,15 +6391,12 @@
           </a:bodyPr>
           <a:p>
             <a:pPr indent="0">
-              <a:lnSpc>
-                <a:spcPct val="90000"/>
-              </a:lnSpc>
               <a:spcBef>
                 <a:spcPts val="1417"/>
               </a:spcBef>
               <a:buNone/>
             </a:pPr>
-            <a:endParaRPr b="0" lang="ru-RU" sz="2800" spc="-1" strike="noStrike">
+            <a:endParaRPr b="0" lang="ru-RU" sz="3200" spc="-1" strike="noStrike">
               <a:solidFill>
                 <a:srgbClr val="000000"/>
               </a:solidFill>
@@ -6623,15 +6434,12 @@
           </a:bodyPr>
           <a:p>
             <a:pPr indent="0">
-              <a:lnSpc>
-                <a:spcPct val="90000"/>
-              </a:lnSpc>
               <a:spcBef>
                 <a:spcPts val="1417"/>
               </a:spcBef>
               <a:buNone/>
             </a:pPr>
-            <a:endParaRPr b="0" lang="ru-RU" sz="2800" spc="-1" strike="noStrike">
+            <a:endParaRPr b="0" lang="ru-RU" sz="3200" spc="-1" strike="noStrike">
               <a:solidFill>
                 <a:srgbClr val="000000"/>
               </a:solidFill>
@@ -6669,15 +6477,12 @@
           </a:bodyPr>
           <a:p>
             <a:pPr indent="0">
-              <a:lnSpc>
-                <a:spcPct val="90000"/>
-              </a:lnSpc>
               <a:spcBef>
                 <a:spcPts val="1417"/>
               </a:spcBef>
               <a:buNone/>
             </a:pPr>
-            <a:endParaRPr b="0" lang="ru-RU" sz="2800" spc="-1" strike="noStrike">
+            <a:endParaRPr b="0" lang="ru-RU" sz="3200" spc="-1" strike="noStrike">
               <a:solidFill>
                 <a:srgbClr val="000000"/>
               </a:solidFill>
@@ -6720,7 +6525,7 @@
         <p:txBody>
           <a:bodyPr/>
           <a:p>
-            <a:fld id="{41E7BB2F-B188-4010-BBAC-E04C5A473DD6}" type="slidenum">
+            <a:fld id="{A830A493-2EF9-4E55-90AD-961F4044AF90}" type="slidenum">
               <a:t>&lt;#&gt;</a:t>
             </a:fld>
           </a:p>
@@ -6781,8 +6586,8 @@
         </p:nvSpPr>
         <p:spPr>
           <a:xfrm>
-            <a:off x="504000" y="226080"/>
-            <a:ext cx="9072000" cy="946440"/>
+            <a:off x="504000" y="74160"/>
+            <a:ext cx="9072000" cy="1250280"/>
           </a:xfrm>
           <a:prstGeom prst="rect">
             <a:avLst/>
@@ -6797,10 +6602,10 @@
             <a:noAutofit/>
           </a:bodyPr>
           <a:p>
-            <a:pPr indent="0">
-              <a:buNone/>
-            </a:pPr>
-            <a:endParaRPr b="0" lang="ru-RU" sz="1800" spc="-1" strike="noStrike">
+            <a:pPr indent="0" algn="ctr">
+              <a:buNone/>
+            </a:pPr>
+            <a:endParaRPr b="0" lang="ru-RU" sz="4400" spc="-1" strike="noStrike">
               <a:solidFill>
                 <a:srgbClr val="000000"/>
               </a:solidFill>
@@ -6838,15 +6643,12 @@
           </a:bodyPr>
           <a:p>
             <a:pPr indent="0">
-              <a:lnSpc>
-                <a:spcPct val="90000"/>
-              </a:lnSpc>
               <a:spcBef>
                 <a:spcPts val="1417"/>
               </a:spcBef>
               <a:buNone/>
             </a:pPr>
-            <a:endParaRPr b="0" lang="ru-RU" sz="2800" spc="-1" strike="noStrike">
+            <a:endParaRPr b="0" lang="ru-RU" sz="3200" spc="-1" strike="noStrike">
               <a:solidFill>
                 <a:srgbClr val="000000"/>
               </a:solidFill>
@@ -6884,15 +6686,12 @@
           </a:bodyPr>
           <a:p>
             <a:pPr indent="0">
-              <a:lnSpc>
-                <a:spcPct val="90000"/>
-              </a:lnSpc>
               <a:spcBef>
                 <a:spcPts val="1417"/>
               </a:spcBef>
               <a:buNone/>
             </a:pPr>
-            <a:endParaRPr b="0" lang="ru-RU" sz="2800" spc="-1" strike="noStrike">
+            <a:endParaRPr b="0" lang="ru-RU" sz="3200" spc="-1" strike="noStrike">
               <a:solidFill>
                 <a:srgbClr val="000000"/>
               </a:solidFill>
@@ -6930,15 +6729,12 @@
           </a:bodyPr>
           <a:p>
             <a:pPr indent="0">
-              <a:lnSpc>
-                <a:spcPct val="90000"/>
-              </a:lnSpc>
               <a:spcBef>
                 <a:spcPts val="1417"/>
               </a:spcBef>
               <a:buNone/>
             </a:pPr>
-            <a:endParaRPr b="0" lang="ru-RU" sz="2800" spc="-1" strike="noStrike">
+            <a:endParaRPr b="0" lang="ru-RU" sz="3200" spc="-1" strike="noStrike">
               <a:solidFill>
                 <a:srgbClr val="000000"/>
               </a:solidFill>
@@ -6981,7 +6777,7 @@
         <p:txBody>
           <a:bodyPr/>
           <a:p>
-            <a:fld id="{40EE75F0-B6D8-4514-ADF7-D3EDFF00113F}" type="slidenum">
+            <a:fld id="{15A084C4-AACA-41AE-AA39-5F33E1895A8A}" type="slidenum">
               <a:t>&lt;#&gt;</a:t>
             </a:fld>
           </a:p>
@@ -7042,8 +6838,8 @@
         </p:nvSpPr>
         <p:spPr>
           <a:xfrm>
-            <a:off x="504000" y="226080"/>
-            <a:ext cx="9072000" cy="946440"/>
+            <a:off x="504000" y="74160"/>
+            <a:ext cx="9072000" cy="1250280"/>
           </a:xfrm>
           <a:prstGeom prst="rect">
             <a:avLst/>
@@ -7058,10 +6854,10 @@
             <a:noAutofit/>
           </a:bodyPr>
           <a:p>
-            <a:pPr indent="0">
-              <a:buNone/>
-            </a:pPr>
-            <a:endParaRPr b="0" lang="ru-RU" sz="1800" spc="-1" strike="noStrike">
+            <a:pPr indent="0" algn="ctr">
+              <a:buNone/>
+            </a:pPr>
+            <a:endParaRPr b="0" lang="ru-RU" sz="4400" spc="-1" strike="noStrike">
               <a:solidFill>
                 <a:srgbClr val="000000"/>
               </a:solidFill>
@@ -7099,15 +6895,12 @@
           </a:bodyPr>
           <a:p>
             <a:pPr indent="0">
-              <a:lnSpc>
-                <a:spcPct val="90000"/>
-              </a:lnSpc>
               <a:spcBef>
                 <a:spcPts val="1417"/>
               </a:spcBef>
               <a:buNone/>
             </a:pPr>
-            <a:endParaRPr b="0" lang="ru-RU" sz="2800" spc="-1" strike="noStrike">
+            <a:endParaRPr b="0" lang="ru-RU" sz="3200" spc="-1" strike="noStrike">
               <a:solidFill>
                 <a:srgbClr val="000000"/>
               </a:solidFill>
@@ -7145,15 +6938,12 @@
           </a:bodyPr>
           <a:p>
             <a:pPr indent="0">
-              <a:lnSpc>
-                <a:spcPct val="90000"/>
-              </a:lnSpc>
               <a:spcBef>
                 <a:spcPts val="1417"/>
               </a:spcBef>
               <a:buNone/>
             </a:pPr>
-            <a:endParaRPr b="0" lang="ru-RU" sz="2800" spc="-1" strike="noStrike">
+            <a:endParaRPr b="0" lang="ru-RU" sz="3200" spc="-1" strike="noStrike">
               <a:solidFill>
                 <a:srgbClr val="000000"/>
               </a:solidFill>
@@ -7191,15 +6981,12 @@
           </a:bodyPr>
           <a:p>
             <a:pPr indent="0">
-              <a:lnSpc>
-                <a:spcPct val="90000"/>
-              </a:lnSpc>
               <a:spcBef>
                 <a:spcPts val="1417"/>
               </a:spcBef>
               <a:buNone/>
             </a:pPr>
-            <a:endParaRPr b="0" lang="ru-RU" sz="2800" spc="-1" strike="noStrike">
+            <a:endParaRPr b="0" lang="ru-RU" sz="3200" spc="-1" strike="noStrike">
               <a:solidFill>
                 <a:srgbClr val="000000"/>
               </a:solidFill>
@@ -7242,7 +7029,7 @@
         <p:txBody>
           <a:bodyPr/>
           <a:p>
-            <a:fld id="{BDF6D26A-5B4D-480C-943E-8D61E7475133}" type="slidenum">
+            <a:fld id="{308F6B90-A1C9-4AB3-A86B-18704C184618}" type="slidenum">
               <a:t>&lt;#&gt;</a:t>
             </a:fld>
           </a:p>
@@ -7307,7 +7094,7 @@
         <p:spPr>
           <a:xfrm>
             <a:off x="0" y="0"/>
-            <a:ext cx="10079640" cy="5669640"/>
+            <a:ext cx="10079280" cy="5669280"/>
           </a:xfrm>
           <a:prstGeom prst="rect">
             <a:avLst/>
@@ -7354,7 +7141,7 @@
         <p:spPr>
           <a:xfrm>
             <a:off x="0" y="0"/>
-            <a:ext cx="10079640" cy="3779640"/>
+            <a:ext cx="10079280" cy="3779280"/>
           </a:xfrm>
           <a:prstGeom prst="rect">
             <a:avLst/>
@@ -7407,8 +7194,8 @@
         </p:nvSpPr>
         <p:spPr>
           <a:xfrm>
-            <a:off x="360000" y="225720"/>
-            <a:ext cx="9359640" cy="718560"/>
+            <a:off x="504000" y="226080"/>
+            <a:ext cx="9071640" cy="946080"/>
           </a:xfrm>
           <a:prstGeom prst="rect">
             <a:avLst/>
@@ -7427,7 +7214,7 @@
               <a:buNone/>
             </a:pPr>
             <a:r>
-              <a:rPr b="0" lang="ru-RU" sz="4400" spc="-1" strike="noStrike">
+              <a:rPr b="0" lang="ru-RU" sz="1800" spc="-1" strike="noStrike">
                 <a:solidFill>
                   <a:srgbClr val="000000"/>
                 </a:solidFill>
@@ -7435,7 +7222,7 @@
               </a:rPr>
               <a:t>Для правки текста заглавия щёлкните мышью</a:t>
             </a:r>
-            <a:endParaRPr b="0" lang="ru-RU" sz="4400" spc="-1" strike="noStrike">
+            <a:endParaRPr b="0" lang="ru-RU" sz="1800" spc="-1" strike="noStrike">
               <a:solidFill>
                 <a:srgbClr val="000000"/>
               </a:solidFill>
@@ -7451,13 +7238,238 @@
             <a:spLocks noGrp="1"/>
           </p:cNvSpPr>
           <p:nvPr>
+            <p:ph type="body"/>
+          </p:nvPr>
+        </p:nvSpPr>
+        <p:spPr>
+          <a:xfrm>
+            <a:off x="504000" y="1326600"/>
+            <a:ext cx="9071640" cy="3288240"/>
+          </a:xfrm>
+          <a:prstGeom prst="rect">
+            <a:avLst/>
+          </a:prstGeom>
+          <a:noFill/>
+          <a:ln w="0">
+            <a:noFill/>
+          </a:ln>
+        </p:spPr>
+        <p:txBody>
+          <a:bodyPr lIns="0" rIns="0" tIns="0" bIns="0" anchor="t">
+            <a:normAutofit/>
+          </a:bodyPr>
+          <a:p>
+            <a:pPr marL="432000" indent="-324000">
+              <a:spcBef>
+                <a:spcPts val="1417"/>
+              </a:spcBef>
+              <a:buClr>
+                <a:srgbClr val="000000"/>
+              </a:buClr>
+              <a:buSzPct val="45000"/>
+              <a:buFont typeface="Wingdings" charset="2"/>
+              <a:buChar char=""/>
+            </a:pPr>
+            <a:r>
+              <a:rPr b="0" lang="ru-RU" sz="1800" spc="-1" strike="noStrike">
+                <a:solidFill>
+                  <a:srgbClr val="000000"/>
+                </a:solidFill>
+                <a:latin typeface="Arial"/>
+              </a:rPr>
+              <a:t>Для правки структуры щёлкните мышью</a:t>
+            </a:r>
+            <a:endParaRPr b="0" lang="ru-RU" sz="1800" spc="-1" strike="noStrike">
+              <a:solidFill>
+                <a:srgbClr val="000000"/>
+              </a:solidFill>
+              <a:latin typeface="Arial"/>
+            </a:endParaRPr>
+          </a:p>
+          <a:p>
+            <a:pPr lvl="1" marL="864000" indent="-324000">
+              <a:spcBef>
+                <a:spcPts val="1134"/>
+              </a:spcBef>
+              <a:buClr>
+                <a:srgbClr val="000000"/>
+              </a:buClr>
+              <a:buSzPct val="75000"/>
+              <a:buFont typeface="Symbol" charset="2"/>
+              <a:buChar char=""/>
+            </a:pPr>
+            <a:r>
+              <a:rPr b="0" lang="ru-RU" sz="1800" spc="-1" strike="noStrike">
+                <a:solidFill>
+                  <a:srgbClr val="000000"/>
+                </a:solidFill>
+                <a:latin typeface="Arial"/>
+              </a:rPr>
+              <a:t>Второй уровень структуры</a:t>
+            </a:r>
+            <a:endParaRPr b="0" lang="ru-RU" sz="1800" spc="-1" strike="noStrike">
+              <a:solidFill>
+                <a:srgbClr val="000000"/>
+              </a:solidFill>
+              <a:latin typeface="Arial"/>
+            </a:endParaRPr>
+          </a:p>
+          <a:p>
+            <a:pPr lvl="2" marL="1296000" indent="-288000">
+              <a:spcBef>
+                <a:spcPts val="850"/>
+              </a:spcBef>
+              <a:buClr>
+                <a:srgbClr val="000000"/>
+              </a:buClr>
+              <a:buSzPct val="45000"/>
+              <a:buFont typeface="Wingdings" charset="2"/>
+              <a:buChar char=""/>
+            </a:pPr>
+            <a:r>
+              <a:rPr b="0" lang="ru-RU" sz="1800" spc="-1" strike="noStrike">
+                <a:solidFill>
+                  <a:srgbClr val="000000"/>
+                </a:solidFill>
+                <a:latin typeface="Arial"/>
+              </a:rPr>
+              <a:t>Третий уровень структуры</a:t>
+            </a:r>
+            <a:endParaRPr b="0" lang="ru-RU" sz="1800" spc="-1" strike="noStrike">
+              <a:solidFill>
+                <a:srgbClr val="000000"/>
+              </a:solidFill>
+              <a:latin typeface="Arial"/>
+            </a:endParaRPr>
+          </a:p>
+          <a:p>
+            <a:pPr lvl="3" marL="1728000" indent="-216000">
+              <a:spcBef>
+                <a:spcPts val="567"/>
+              </a:spcBef>
+              <a:buClr>
+                <a:srgbClr val="000000"/>
+              </a:buClr>
+              <a:buSzPct val="75000"/>
+              <a:buFont typeface="Symbol" charset="2"/>
+              <a:buChar char=""/>
+            </a:pPr>
+            <a:r>
+              <a:rPr b="0" lang="ru-RU" sz="1800" spc="-1" strike="noStrike">
+                <a:solidFill>
+                  <a:srgbClr val="000000"/>
+                </a:solidFill>
+                <a:latin typeface="Arial"/>
+              </a:rPr>
+              <a:t>Четвёртый уровень структуры</a:t>
+            </a:r>
+            <a:endParaRPr b="0" lang="ru-RU" sz="1800" spc="-1" strike="noStrike">
+              <a:solidFill>
+                <a:srgbClr val="000000"/>
+              </a:solidFill>
+              <a:latin typeface="Arial"/>
+            </a:endParaRPr>
+          </a:p>
+          <a:p>
+            <a:pPr lvl="4" marL="2160000" indent="-216000">
+              <a:spcBef>
+                <a:spcPts val="283"/>
+              </a:spcBef>
+              <a:buClr>
+                <a:srgbClr val="000000"/>
+              </a:buClr>
+              <a:buSzPct val="45000"/>
+              <a:buFont typeface="Wingdings" charset="2"/>
+              <a:buChar char=""/>
+            </a:pPr>
+            <a:r>
+              <a:rPr b="0" lang="ru-RU" sz="1800" spc="-1" strike="noStrike">
+                <a:solidFill>
+                  <a:srgbClr val="000000"/>
+                </a:solidFill>
+                <a:latin typeface="Arial"/>
+              </a:rPr>
+              <a:t>Пятый уровень структуры</a:t>
+            </a:r>
+            <a:endParaRPr b="0" lang="ru-RU" sz="1800" spc="-1" strike="noStrike">
+              <a:solidFill>
+                <a:srgbClr val="000000"/>
+              </a:solidFill>
+              <a:latin typeface="Arial"/>
+            </a:endParaRPr>
+          </a:p>
+          <a:p>
+            <a:pPr lvl="5" marL="2592000" indent="-216000">
+              <a:spcBef>
+                <a:spcPts val="283"/>
+              </a:spcBef>
+              <a:buClr>
+                <a:srgbClr val="000000"/>
+              </a:buClr>
+              <a:buSzPct val="45000"/>
+              <a:buFont typeface="Wingdings" charset="2"/>
+              <a:buChar char=""/>
+            </a:pPr>
+            <a:r>
+              <a:rPr b="0" lang="ru-RU" sz="1800" spc="-1" strike="noStrike">
+                <a:solidFill>
+                  <a:srgbClr val="000000"/>
+                </a:solidFill>
+                <a:latin typeface="Arial"/>
+              </a:rPr>
+              <a:t>Шестой уровень структуры</a:t>
+            </a:r>
+            <a:endParaRPr b="0" lang="ru-RU" sz="1800" spc="-1" strike="noStrike">
+              <a:solidFill>
+                <a:srgbClr val="000000"/>
+              </a:solidFill>
+              <a:latin typeface="Arial"/>
+            </a:endParaRPr>
+          </a:p>
+          <a:p>
+            <a:pPr lvl="6" marL="3024000" indent="-216000">
+              <a:spcBef>
+                <a:spcPts val="283"/>
+              </a:spcBef>
+              <a:buClr>
+                <a:srgbClr val="000000"/>
+              </a:buClr>
+              <a:buSzPct val="45000"/>
+              <a:buFont typeface="Wingdings" charset="2"/>
+              <a:buChar char=""/>
+            </a:pPr>
+            <a:r>
+              <a:rPr b="0" lang="ru-RU" sz="1800" spc="-1" strike="noStrike">
+                <a:solidFill>
+                  <a:srgbClr val="000000"/>
+                </a:solidFill>
+                <a:latin typeface="Arial"/>
+              </a:rPr>
+              <a:t>Седьмой уровень структуры</a:t>
+            </a:r>
+            <a:endParaRPr b="0" lang="ru-RU" sz="1800" spc="-1" strike="noStrike">
+              <a:solidFill>
+                <a:srgbClr val="000000"/>
+              </a:solidFill>
+              <a:latin typeface="Arial"/>
+            </a:endParaRPr>
+          </a:p>
+        </p:txBody>
+      </p:sp>
+      <p:sp>
+        <p:nvSpPr>
+          <p:cNvPr id="4" name="PlaceHolder 3"/>
+          <p:cNvSpPr>
+            <a:spLocks noGrp="1"/>
+          </p:cNvSpPr>
+          <p:nvPr>
             <p:ph type="ftr" idx="1"/>
           </p:nvPr>
         </p:nvSpPr>
         <p:spPr>
           <a:xfrm>
             <a:off x="3420000" y="5400000"/>
-            <a:ext cx="3239640" cy="269640"/>
+            <a:ext cx="3239280" cy="269280"/>
           </a:xfrm>
           <a:prstGeom prst="rect">
             <a:avLst/>
@@ -7520,7 +7532,7 @@
       </p:sp>
       <p:sp>
         <p:nvSpPr>
-          <p:cNvPr id="4" name="PlaceHolder 3"/>
+          <p:cNvPr id="5" name="PlaceHolder 4"/>
           <p:cNvSpPr>
             <a:spLocks noGrp="1"/>
           </p:cNvSpPr>
@@ -7531,7 +7543,7 @@
         <p:spPr>
           <a:xfrm>
             <a:off x="9180000" y="5130000"/>
-            <a:ext cx="719640" cy="539640"/>
+            <a:ext cx="719280" cy="539280"/>
           </a:xfrm>
           <a:prstGeom prst="rect">
             <a:avLst/>
@@ -7573,7 +7585,7 @@
                 <a:tab algn="l" pos="0"/>
               </a:tabLst>
             </a:pPr>
-            <a:fld id="{FF83E053-7843-47AD-AE8E-8D41B1E9789D}" type="slidenum">
+            <a:fld id="{A4EF147E-0959-43B3-A64B-585AE5AF620F}" type="slidenum">
               <a:rPr b="1" lang="ru-RU" sz="1800" spc="-1" strike="noStrike">
                 <a:solidFill>
                   <a:srgbClr val="ffffff"/>
@@ -7594,7 +7606,7 @@
       </p:sp>
       <p:sp>
         <p:nvSpPr>
-          <p:cNvPr id="5" name="PlaceHolder 4"/>
+          <p:cNvPr id="6" name="PlaceHolder 5"/>
           <p:cNvSpPr>
             <a:spLocks noGrp="1"/>
           </p:cNvSpPr>
@@ -7605,7 +7617,7 @@
         <p:spPr>
           <a:xfrm>
             <a:off x="360000" y="5400000"/>
-            <a:ext cx="2879640" cy="269640"/>
+            <a:ext cx="2879280" cy="269280"/>
           </a:xfrm>
           <a:prstGeom prst="rect">
             <a:avLst/>
@@ -7648,252 +7660,6 @@
                 <a:srgbClr val="000000"/>
               </a:solidFill>
               <a:latin typeface="Times New Roman"/>
-            </a:endParaRPr>
-          </a:p>
-        </p:txBody>
-      </p:sp>
-      <p:sp>
-        <p:nvSpPr>
-          <p:cNvPr id="6" name="PlaceHolder 5"/>
-          <p:cNvSpPr>
-            <a:spLocks noGrp="1"/>
-          </p:cNvSpPr>
-          <p:nvPr>
-            <p:ph type="body"/>
-          </p:nvPr>
-        </p:nvSpPr>
-        <p:spPr>
-          <a:xfrm>
-            <a:off x="504000" y="1326600"/>
-            <a:ext cx="9072000" cy="3288600"/>
-          </a:xfrm>
-          <a:prstGeom prst="rect">
-            <a:avLst/>
-          </a:prstGeom>
-          <a:noFill/>
-          <a:ln w="0">
-            <a:noFill/>
-          </a:ln>
-        </p:spPr>
-        <p:txBody>
-          <a:bodyPr lIns="0" rIns="0" tIns="0" bIns="0" anchor="t">
-            <a:normAutofit/>
-          </a:bodyPr>
-          <a:p>
-            <a:pPr marL="432000" indent="-324000">
-              <a:lnSpc>
-                <a:spcPct val="90000"/>
-              </a:lnSpc>
-              <a:spcBef>
-                <a:spcPts val="1417"/>
-              </a:spcBef>
-              <a:buClr>
-                <a:srgbClr val="000000"/>
-              </a:buClr>
-              <a:buSzPct val="45000"/>
-              <a:buFont typeface="Wingdings" charset="2"/>
-              <a:buChar char=""/>
-            </a:pPr>
-            <a:r>
-              <a:rPr b="0" lang="ru-RU" sz="2800" spc="-1" strike="noStrike">
-                <a:solidFill>
-                  <a:srgbClr val="000000"/>
-                </a:solidFill>
-                <a:latin typeface="Arial"/>
-              </a:rPr>
-              <a:t>Для правки структуры щёлкните мышью</a:t>
-            </a:r>
-            <a:endParaRPr b="0" lang="ru-RU" sz="2800" spc="-1" strike="noStrike">
-              <a:solidFill>
-                <a:srgbClr val="000000"/>
-              </a:solidFill>
-              <a:latin typeface="Arial"/>
-            </a:endParaRPr>
-          </a:p>
-          <a:p>
-            <a:pPr lvl="1" marL="864000" indent="-324000">
-              <a:lnSpc>
-                <a:spcPct val="90000"/>
-              </a:lnSpc>
-              <a:spcBef>
-                <a:spcPts val="1134"/>
-              </a:spcBef>
-              <a:buClr>
-                <a:srgbClr val="000000"/>
-              </a:buClr>
-              <a:buSzPct val="75000"/>
-              <a:buFont typeface="Symbol" charset="2"/>
-              <a:buChar char=""/>
-            </a:pPr>
-            <a:r>
-              <a:rPr b="0" lang="ru-RU" sz="2000" spc="-1" strike="noStrike">
-                <a:solidFill>
-                  <a:srgbClr val="000000"/>
-                </a:solidFill>
-                <a:latin typeface="Arial"/>
-              </a:rPr>
-              <a:t>Второй уровень структуры</a:t>
-            </a:r>
-            <a:endParaRPr b="0" lang="ru-RU" sz="2000" spc="-1" strike="noStrike">
-              <a:solidFill>
-                <a:srgbClr val="000000"/>
-              </a:solidFill>
-              <a:latin typeface="Arial"/>
-            </a:endParaRPr>
-          </a:p>
-          <a:p>
-            <a:pPr lvl="2" marL="1296000" indent="-288000">
-              <a:lnSpc>
-                <a:spcPct val="90000"/>
-              </a:lnSpc>
-              <a:spcBef>
-                <a:spcPts val="850"/>
-              </a:spcBef>
-              <a:buClr>
-                <a:srgbClr val="000000"/>
-              </a:buClr>
-              <a:buSzPct val="45000"/>
-              <a:buFont typeface="Wingdings" charset="2"/>
-              <a:buChar char=""/>
-            </a:pPr>
-            <a:r>
-              <a:rPr b="0" lang="ru-RU" sz="1800" spc="-1" strike="noStrike">
-                <a:solidFill>
-                  <a:srgbClr val="000000"/>
-                </a:solidFill>
-                <a:latin typeface="Arial"/>
-              </a:rPr>
-              <a:t>Третий уровень структуры</a:t>
-            </a:r>
-            <a:endParaRPr b="0" lang="ru-RU" sz="1800" spc="-1" strike="noStrike">
-              <a:solidFill>
-                <a:srgbClr val="000000"/>
-              </a:solidFill>
-              <a:latin typeface="Arial"/>
-            </a:endParaRPr>
-          </a:p>
-          <a:p>
-            <a:pPr lvl="3" marL="1728000" indent="-216000">
-              <a:lnSpc>
-                <a:spcPct val="90000"/>
-              </a:lnSpc>
-              <a:spcBef>
-                <a:spcPts val="567"/>
-              </a:spcBef>
-              <a:buClr>
-                <a:srgbClr val="000000"/>
-              </a:buClr>
-              <a:buSzPct val="75000"/>
-              <a:buFont typeface="Symbol" charset="2"/>
-              <a:buChar char=""/>
-            </a:pPr>
-            <a:r>
-              <a:rPr b="0" lang="ru-RU" sz="1800" spc="-1" strike="noStrike">
-                <a:solidFill>
-                  <a:srgbClr val="000000"/>
-                </a:solidFill>
-                <a:latin typeface="Arial"/>
-              </a:rPr>
-              <a:t>Четвёртый уровень структуры</a:t>
-            </a:r>
-            <a:endParaRPr b="0" lang="ru-RU" sz="1800" spc="-1" strike="noStrike">
-              <a:solidFill>
-                <a:srgbClr val="000000"/>
-              </a:solidFill>
-              <a:latin typeface="Arial"/>
-            </a:endParaRPr>
-          </a:p>
-          <a:p>
-            <a:pPr lvl="4" marL="2160000" indent="-216000">
-              <a:lnSpc>
-                <a:spcPct val="90000"/>
-              </a:lnSpc>
-              <a:spcBef>
-                <a:spcPts val="283"/>
-              </a:spcBef>
-              <a:buClr>
-                <a:srgbClr val="000000"/>
-              </a:buClr>
-              <a:buSzPct val="45000"/>
-              <a:buFont typeface="Wingdings" charset="2"/>
-              <a:buChar char=""/>
-            </a:pPr>
-            <a:r>
-              <a:rPr b="0" lang="ru-RU" sz="2000" spc="-1" strike="noStrike">
-                <a:solidFill>
-                  <a:srgbClr val="000000"/>
-                </a:solidFill>
-                <a:latin typeface="Arial"/>
-              </a:rPr>
-              <a:t>Пятый уровень структуры</a:t>
-            </a:r>
-            <a:endParaRPr b="0" lang="ru-RU" sz="2000" spc="-1" strike="noStrike">
-              <a:solidFill>
-                <a:srgbClr val="000000"/>
-              </a:solidFill>
-              <a:latin typeface="Arial"/>
-            </a:endParaRPr>
-          </a:p>
-          <a:p>
-            <a:pPr lvl="5" marL="2592000" indent="-216000">
-              <a:lnSpc>
-                <a:spcPct val="90000"/>
-              </a:lnSpc>
-              <a:spcBef>
-                <a:spcPts val="283"/>
-              </a:spcBef>
-              <a:buClr>
-                <a:srgbClr val="000000"/>
-              </a:buClr>
-              <a:buSzPct val="45000"/>
-              <a:buFont typeface="Wingdings" charset="2"/>
-              <a:buChar char=""/>
-            </a:pPr>
-            <a:r>
-              <a:rPr b="0" lang="ru-RU" sz="2000" spc="-1" strike="noStrike">
-                <a:solidFill>
-                  <a:srgbClr val="000000"/>
-                </a:solidFill>
-                <a:latin typeface="Arial"/>
-              </a:rPr>
-              <a:t>Шестой уровень структуры</a:t>
-            </a:r>
-            <a:endParaRPr b="0" lang="ru-RU" sz="2000" spc="-1" strike="noStrike">
-              <a:solidFill>
-                <a:srgbClr val="000000"/>
-              </a:solidFill>
-              <a:latin typeface="Arial"/>
-            </a:endParaRPr>
-          </a:p>
-          <a:p>
-            <a:pPr lvl="6" marL="3024000" indent="-216000">
-              <a:lnSpc>
-                <a:spcPct val="90000"/>
-              </a:lnSpc>
-              <a:spcBef>
-                <a:spcPts val="283"/>
-              </a:spcBef>
-              <a:buClr>
-                <a:srgbClr val="000000"/>
-              </a:buClr>
-              <a:buSzPct val="45000"/>
-              <a:buFont typeface="Wingdings" charset="2"/>
-              <a:buChar char=""/>
-            </a:pPr>
-            <a:r>
-              <a:rPr b="0" lang="ru-RU" sz="2000" spc="-1" strike="noStrike">
-                <a:solidFill>
-                  <a:srgbClr val="000000"/>
-                </a:solidFill>
-                <a:latin typeface="Arial"/>
-              </a:rPr>
-              <a:t>Седьмой уровень структуры</a:t>
-            </a:r>
-            <a:endParaRPr b="0" lang="ru-RU" sz="2000" spc="-1" strike="noStrike">
-              <a:solidFill>
-                <a:srgbClr val="000000"/>
-              </a:solidFill>
-              <a:latin typeface="Arial"/>
             </a:endParaRPr>
           </a:p>
         </p:txBody>
@@ -7951,7 +7717,7 @@
         <p:spPr>
           <a:xfrm>
             <a:off x="0" y="5400000"/>
-            <a:ext cx="10079640" cy="269640"/>
+            <a:ext cx="10079280" cy="269280"/>
           </a:xfrm>
           <a:prstGeom prst="rect">
             <a:avLst/>
@@ -7998,7 +7764,7 @@
         <p:spPr>
           <a:xfrm>
             <a:off x="0" y="0"/>
-            <a:ext cx="10079640" cy="1214640"/>
+            <a:ext cx="10079280" cy="1214280"/>
           </a:xfrm>
           <a:prstGeom prst="rect">
             <a:avLst/>
@@ -8045,7 +7811,7 @@
         <p:spPr>
           <a:xfrm>
             <a:off x="9315000" y="5175000"/>
-            <a:ext cx="449640" cy="449640"/>
+            <a:ext cx="449280" cy="449280"/>
           </a:xfrm>
           <a:prstGeom prst="ellipse">
             <a:avLst/>
@@ -8095,7 +7861,7 @@
         <p:spPr>
           <a:xfrm>
             <a:off x="9180000" y="5130000"/>
-            <a:ext cx="719640" cy="539640"/>
+            <a:ext cx="719280" cy="539280"/>
           </a:xfrm>
           <a:prstGeom prst="rect">
             <a:avLst/>
@@ -8121,7 +7887,7 @@
                 <a:spcPct val="100000"/>
               </a:lnSpc>
             </a:pPr>
-            <a:fld id="{9DC5E708-BF1A-4DCF-81B7-67AF5BF96A76}" type="slidenum">
+            <a:fld id="{32E005F2-ABBB-4410-AA55-F47B0A304488}" type="slidenum">
               <a:rPr b="1" lang="ru-RU" sz="1800" spc="-1" strike="noStrike">
                 <a:solidFill>
                   <a:srgbClr val="ffffff"/>
@@ -8147,308 +7913,13 @@
             <a:spLocks noGrp="1"/>
           </p:cNvSpPr>
           <p:nvPr>
-            <p:ph type="title"/>
-          </p:nvPr>
-        </p:nvSpPr>
-        <p:spPr>
-          <a:xfrm>
-            <a:off x="360000" y="225720"/>
-            <a:ext cx="9359640" cy="718560"/>
-          </a:xfrm>
-          <a:prstGeom prst="rect">
-            <a:avLst/>
-          </a:prstGeom>
-          <a:noFill/>
-          <a:ln w="0">
-            <a:noFill/>
-          </a:ln>
-        </p:spPr>
-        <p:txBody>
-          <a:bodyPr lIns="0" rIns="0" tIns="0" bIns="0" anchor="ctr">
-            <a:noAutofit/>
-          </a:bodyPr>
-          <a:p>
-            <a:pPr indent="0">
-              <a:buNone/>
-            </a:pPr>
-            <a:r>
-              <a:rPr b="0" lang="ru-RU" sz="4400" spc="-1" strike="noStrike">
-                <a:solidFill>
-                  <a:srgbClr val="000000"/>
-                </a:solidFill>
-                <a:latin typeface="Arial"/>
-              </a:rPr>
-              <a:t>Для правки текста заглавия щёлкните мышью</a:t>
-            </a:r>
-            <a:endParaRPr b="0" lang="ru-RU" sz="4400" spc="-1" strike="noStrike">
-              <a:solidFill>
-                <a:srgbClr val="000000"/>
-              </a:solidFill>
-              <a:latin typeface="Arial"/>
-            </a:endParaRPr>
-          </a:p>
-        </p:txBody>
-      </p:sp>
-      <p:sp>
-        <p:nvSpPr>
-          <p:cNvPr id="48" name="PlaceHolder 2"/>
-          <p:cNvSpPr>
-            <a:spLocks noGrp="1"/>
-          </p:cNvSpPr>
-          <p:nvPr>
-            <p:ph type="body"/>
-          </p:nvPr>
-        </p:nvSpPr>
-        <p:spPr>
-          <a:xfrm>
-            <a:off x="360000" y="1485000"/>
-            <a:ext cx="9359640" cy="3779640"/>
-          </a:xfrm>
-          <a:prstGeom prst="rect">
-            <a:avLst/>
-          </a:prstGeom>
-          <a:noFill/>
-          <a:ln w="0">
-            <a:noFill/>
-          </a:ln>
-        </p:spPr>
-        <p:txBody>
-          <a:bodyPr lIns="0" rIns="0" tIns="0" bIns="0" anchor="t">
-            <a:normAutofit/>
-          </a:bodyPr>
-          <a:p>
-            <a:pPr marL="432000" indent="-324000">
-              <a:lnSpc>
-                <a:spcPct val="90000"/>
-              </a:lnSpc>
-              <a:spcBef>
-                <a:spcPts val="1417"/>
-              </a:spcBef>
-              <a:buClr>
-                <a:srgbClr val="000000"/>
-              </a:buClr>
-              <a:buSzPct val="45000"/>
-              <a:buFont typeface="Wingdings" charset="2"/>
-              <a:buChar char=""/>
-            </a:pPr>
-            <a:r>
-              <a:rPr b="0" lang="ru-RU" sz="2800" spc="-1" strike="noStrike">
-                <a:solidFill>
-                  <a:srgbClr val="000000"/>
-                </a:solidFill>
-                <a:latin typeface="Arial"/>
-              </a:rPr>
-              <a:t>Для правки структуры щёлкните мышью</a:t>
-            </a:r>
-            <a:endParaRPr b="0" lang="ru-RU" sz="2800" spc="-1" strike="noStrike">
-              <a:solidFill>
-                <a:srgbClr val="000000"/>
-              </a:solidFill>
-              <a:latin typeface="Arial"/>
-            </a:endParaRPr>
-          </a:p>
-          <a:p>
-            <a:pPr lvl="1" marL="864000" indent="-324000">
-              <a:lnSpc>
-                <a:spcPct val="90000"/>
-              </a:lnSpc>
-              <a:spcBef>
-                <a:spcPts val="1134"/>
-              </a:spcBef>
-              <a:buClr>
-                <a:srgbClr val="000000"/>
-              </a:buClr>
-              <a:buSzPct val="75000"/>
-              <a:buFont typeface="Symbol" charset="2"/>
-              <a:buChar char=""/>
-            </a:pPr>
-            <a:r>
-              <a:rPr b="0" lang="ru-RU" sz="2800" spc="-1" strike="noStrike">
-                <a:solidFill>
-                  <a:srgbClr val="000000"/>
-                </a:solidFill>
-                <a:latin typeface="Arial"/>
-              </a:rPr>
-              <a:t>Второй уровень структуры</a:t>
-            </a:r>
-            <a:endParaRPr b="0" lang="ru-RU" sz="2800" spc="-1" strike="noStrike">
-              <a:solidFill>
-                <a:srgbClr val="000000"/>
-              </a:solidFill>
-              <a:latin typeface="Arial"/>
-            </a:endParaRPr>
-          </a:p>
-          <a:p>
-            <a:pPr lvl="2" marL="1296000" indent="-288000">
-              <a:lnSpc>
-                <a:spcPct val="90000"/>
-              </a:lnSpc>
-              <a:spcBef>
-                <a:spcPts val="850"/>
-              </a:spcBef>
-              <a:buClr>
-                <a:srgbClr val="000000"/>
-              </a:buClr>
-              <a:buSzPct val="45000"/>
-              <a:buFont typeface="Wingdings" charset="2"/>
-              <a:buChar char=""/>
-            </a:pPr>
-            <a:r>
-              <a:rPr b="0" lang="ru-RU" sz="2800" spc="-1" strike="noStrike">
-                <a:solidFill>
-                  <a:srgbClr val="000000"/>
-                </a:solidFill>
-                <a:latin typeface="Arial"/>
-              </a:rPr>
-              <a:t>Третий уровень структуры</a:t>
-            </a:r>
-            <a:endParaRPr b="0" lang="ru-RU" sz="2800" spc="-1" strike="noStrike">
-              <a:solidFill>
-                <a:srgbClr val="000000"/>
-              </a:solidFill>
-              <a:latin typeface="Arial"/>
-            </a:endParaRPr>
-          </a:p>
-          <a:p>
-            <a:pPr lvl="3" marL="1728000" indent="-216000">
-              <a:lnSpc>
-                <a:spcPct val="90000"/>
-              </a:lnSpc>
-              <a:spcBef>
-                <a:spcPts val="567"/>
-              </a:spcBef>
-              <a:buClr>
-                <a:srgbClr val="000000"/>
-              </a:buClr>
-              <a:buSzPct val="75000"/>
-              <a:buFont typeface="Symbol" charset="2"/>
-              <a:buChar char=""/>
-            </a:pPr>
-            <a:r>
-              <a:rPr b="0" lang="ru-RU" sz="2800" spc="-1" strike="noStrike">
-                <a:solidFill>
-                  <a:srgbClr val="000000"/>
-                </a:solidFill>
-                <a:latin typeface="Arial"/>
-              </a:rPr>
-              <a:t>Четвёртый уровень структуры</a:t>
-            </a:r>
-            <a:endParaRPr b="0" lang="ru-RU" sz="2800" spc="-1" strike="noStrike">
-              <a:solidFill>
-                <a:srgbClr val="000000"/>
-              </a:solidFill>
-              <a:latin typeface="Arial"/>
-            </a:endParaRPr>
-          </a:p>
-          <a:p>
-            <a:pPr lvl="4" marL="2160000" indent="-216000">
-              <a:lnSpc>
-                <a:spcPct val="90000"/>
-              </a:lnSpc>
-              <a:spcBef>
-                <a:spcPts val="283"/>
-              </a:spcBef>
-              <a:buClr>
-                <a:srgbClr val="000000"/>
-              </a:buClr>
-              <a:buSzPct val="45000"/>
-              <a:buFont typeface="Wingdings" charset="2"/>
-              <a:buChar char=""/>
-            </a:pPr>
-            <a:r>
-              <a:rPr b="0" lang="ru-RU" sz="2800" spc="-1" strike="noStrike">
-                <a:solidFill>
-                  <a:srgbClr val="000000"/>
-                </a:solidFill>
-                <a:latin typeface="Arial"/>
-              </a:rPr>
-              <a:t>Пятый уровень структуры</a:t>
-            </a:r>
-            <a:endParaRPr b="0" lang="ru-RU" sz="2800" spc="-1" strike="noStrike">
-              <a:solidFill>
-                <a:srgbClr val="000000"/>
-              </a:solidFill>
-              <a:latin typeface="Arial"/>
-            </a:endParaRPr>
-          </a:p>
-          <a:p>
-            <a:pPr lvl="5" marL="2592000" indent="-216000">
-              <a:lnSpc>
-                <a:spcPct val="90000"/>
-              </a:lnSpc>
-              <a:spcBef>
-                <a:spcPts val="283"/>
-              </a:spcBef>
-              <a:buClr>
-                <a:srgbClr val="000000"/>
-              </a:buClr>
-              <a:buSzPct val="45000"/>
-              <a:buFont typeface="Wingdings" charset="2"/>
-              <a:buChar char=""/>
-            </a:pPr>
-            <a:r>
-              <a:rPr b="0" lang="ru-RU" sz="2800" spc="-1" strike="noStrike">
-                <a:solidFill>
-                  <a:srgbClr val="000000"/>
-                </a:solidFill>
-                <a:latin typeface="Arial"/>
-              </a:rPr>
-              <a:t>Шестой уровень структуры</a:t>
-            </a:r>
-            <a:endParaRPr b="0" lang="ru-RU" sz="2800" spc="-1" strike="noStrike">
-              <a:solidFill>
-                <a:srgbClr val="000000"/>
-              </a:solidFill>
-              <a:latin typeface="Arial"/>
-            </a:endParaRPr>
-          </a:p>
-          <a:p>
-            <a:pPr lvl="6" marL="3024000" indent="-216000">
-              <a:lnSpc>
-                <a:spcPct val="90000"/>
-              </a:lnSpc>
-              <a:spcBef>
-                <a:spcPts val="283"/>
-              </a:spcBef>
-              <a:buClr>
-                <a:srgbClr val="000000"/>
-              </a:buClr>
-              <a:buSzPct val="45000"/>
-              <a:buFont typeface="Wingdings" charset="2"/>
-              <a:buChar char=""/>
-            </a:pPr>
-            <a:r>
-              <a:rPr b="0" lang="ru-RU" sz="2800" spc="-1" strike="noStrike">
-                <a:solidFill>
-                  <a:srgbClr val="000000"/>
-                </a:solidFill>
-                <a:latin typeface="Arial"/>
-              </a:rPr>
-              <a:t>Седьмой уровень структуры</a:t>
-            </a:r>
-            <a:endParaRPr b="0" lang="ru-RU" sz="2800" spc="-1" strike="noStrike">
-              <a:solidFill>
-                <a:srgbClr val="000000"/>
-              </a:solidFill>
-              <a:latin typeface="Arial"/>
-            </a:endParaRPr>
-          </a:p>
-        </p:txBody>
-      </p:sp>
-      <p:sp>
-        <p:nvSpPr>
-          <p:cNvPr id="49" name="PlaceHolder 3"/>
-          <p:cNvSpPr>
-            <a:spLocks noGrp="1"/>
-          </p:cNvSpPr>
-          <p:nvPr>
             <p:ph type="ftr" idx="4"/>
           </p:nvPr>
         </p:nvSpPr>
         <p:spPr>
           <a:xfrm>
             <a:off x="3420000" y="5400000"/>
-            <a:ext cx="3239640" cy="269640"/>
+            <a:ext cx="3239280" cy="269280"/>
           </a:xfrm>
           <a:prstGeom prst="rect">
             <a:avLst/>
@@ -8511,7 +7982,7 @@
       </p:sp>
       <p:sp>
         <p:nvSpPr>
-          <p:cNvPr id="50" name="PlaceHolder 4"/>
+          <p:cNvPr id="48" name="PlaceHolder 2"/>
           <p:cNvSpPr>
             <a:spLocks noGrp="1"/>
           </p:cNvSpPr>
@@ -8522,7 +7993,7 @@
         <p:spPr>
           <a:xfrm>
             <a:off x="360000" y="5400000"/>
-            <a:ext cx="2879640" cy="269640"/>
+            <a:ext cx="2879280" cy="269280"/>
           </a:xfrm>
           <a:prstGeom prst="rect">
             <a:avLst/>
@@ -8565,6 +8036,280 @@
                 <a:srgbClr val="000000"/>
               </a:solidFill>
               <a:latin typeface="Times New Roman"/>
+            </a:endParaRPr>
+          </a:p>
+        </p:txBody>
+      </p:sp>
+      <p:sp>
+        <p:nvSpPr>
+          <p:cNvPr id="49" name="PlaceHolder 3"/>
+          <p:cNvSpPr>
+            <a:spLocks noGrp="1"/>
+          </p:cNvSpPr>
+          <p:nvPr>
+            <p:ph type="title"/>
+          </p:nvPr>
+        </p:nvSpPr>
+        <p:spPr>
+          <a:xfrm>
+            <a:off x="504000" y="226080"/>
+            <a:ext cx="9072000" cy="946440"/>
+          </a:xfrm>
+          <a:prstGeom prst="rect">
+            <a:avLst/>
+          </a:prstGeom>
+          <a:noFill/>
+          <a:ln w="0">
+            <a:noFill/>
+          </a:ln>
+        </p:spPr>
+        <p:txBody>
+          <a:bodyPr lIns="0" rIns="0" tIns="0" bIns="0" anchor="ctr">
+            <a:noAutofit/>
+          </a:bodyPr>
+          <a:p>
+            <a:pPr indent="0" algn="ctr">
+              <a:buNone/>
+            </a:pPr>
+            <a:r>
+              <a:rPr b="0" lang="ru-RU" sz="4400" spc="-1" strike="noStrike">
+                <a:solidFill>
+                  <a:srgbClr val="000000"/>
+                </a:solidFill>
+                <a:latin typeface="Arial"/>
+              </a:rPr>
+              <a:t>Для правки текста заглавия щёлкните мышью</a:t>
+            </a:r>
+            <a:endParaRPr b="0" lang="ru-RU" sz="4400" spc="-1" strike="noStrike">
+              <a:solidFill>
+                <a:srgbClr val="000000"/>
+              </a:solidFill>
+              <a:latin typeface="Arial"/>
+            </a:endParaRPr>
+          </a:p>
+        </p:txBody>
+      </p:sp>
+      <p:sp>
+        <p:nvSpPr>
+          <p:cNvPr id="50" name="PlaceHolder 4"/>
+          <p:cNvSpPr>
+            <a:spLocks noGrp="1"/>
+          </p:cNvSpPr>
+          <p:nvPr>
+            <p:ph type="body"/>
+          </p:nvPr>
+        </p:nvSpPr>
+        <p:spPr>
+          <a:xfrm>
+            <a:off x="504000" y="1326600"/>
+            <a:ext cx="9072000" cy="3288600"/>
+          </a:xfrm>
+          <a:prstGeom prst="rect">
+            <a:avLst/>
+          </a:prstGeom>
+          <a:noFill/>
+          <a:ln w="0">
+            <a:noFill/>
+          </a:ln>
+        </p:spPr>
+        <p:txBody>
+          <a:bodyPr lIns="0" rIns="0" tIns="0" bIns="0" anchor="t">
+            <a:normAutofit/>
+          </a:bodyPr>
+          <a:p>
+            <a:pPr marL="432000" indent="-324000">
+              <a:spcBef>
+                <a:spcPts val="1417"/>
+              </a:spcBef>
+              <a:buClr>
+                <a:srgbClr val="000000"/>
+              </a:buClr>
+              <a:buSzPct val="45000"/>
+              <a:buFont typeface="Wingdings" charset="2"/>
+              <a:buChar char=""/>
+            </a:pPr>
+            <a:r>
+              <a:rPr b="0" lang="ru-RU" sz="3200" spc="-1" strike="noStrike">
+                <a:solidFill>
+                  <a:srgbClr val="000000"/>
+                </a:solidFill>
+                <a:latin typeface="Arial"/>
+              </a:rPr>
+              <a:t>Для правки структуры щёлкните мышью</a:t>
+            </a:r>
+            <a:endParaRPr b="0" lang="ru-RU" sz="3200" spc="-1" strike="noStrike">
+              <a:solidFill>
+                <a:srgbClr val="000000"/>
+              </a:solidFill>
+              <a:latin typeface="Arial"/>
+            </a:endParaRPr>
+          </a:p>
+          <a:p>
+            <a:pPr lvl="1" marL="864000" indent="-324000">
+              <a:spcBef>
+                <a:spcPts val="1134"/>
+              </a:spcBef>
+              <a:buClr>
+                <a:srgbClr val="000000"/>
+              </a:buClr>
+              <a:buSzPct val="75000"/>
+              <a:buFont typeface="Symbol" charset="2"/>
+              <a:buChar char=""/>
+            </a:pPr>
+            <a:r>
+              <a:rPr b="0" lang="ru-RU" sz="2800" spc="-1" strike="noStrike">
+                <a:solidFill>
+                  <a:srgbClr val="000000"/>
+                </a:solidFill>
+                <a:latin typeface="Arial"/>
+              </a:rPr>
+              <a:t>Второй уровень структуры</a:t>
+            </a:r>
+            <a:endParaRPr b="0" lang="ru-RU" sz="2800" spc="-1" strike="noStrike">
+              <a:solidFill>
+                <a:srgbClr val="000000"/>
+              </a:solidFill>
+              <a:latin typeface="Arial"/>
+            </a:endParaRPr>
+          </a:p>
+          <a:p>
+            <a:pPr lvl="2" marL="1296000" indent="-288000">
+              <a:spcBef>
+                <a:spcPts val="850"/>
+              </a:spcBef>
+              <a:buClr>
+                <a:srgbClr val="000000"/>
+              </a:buClr>
+              <a:buSzPct val="45000"/>
+              <a:buFont typeface="Wingdings" charset="2"/>
+              <a:buChar char=""/>
+            </a:pPr>
+            <a:r>
+              <a:rPr b="0" lang="ru-RU" sz="2400" spc="-1" strike="noStrike">
+                <a:solidFill>
+                  <a:srgbClr val="000000"/>
+                </a:solidFill>
+                <a:latin typeface="Arial"/>
+              </a:rPr>
+              <a:t>Третий уровень структуры</a:t>
+            </a:r>
+            <a:endParaRPr b="0" lang="ru-RU" sz="2400" spc="-1" strike="noStrike">
+              <a:solidFill>
+                <a:srgbClr val="000000"/>
+              </a:solidFill>
+              <a:latin typeface="Arial"/>
+            </a:endParaRPr>
+          </a:p>
+          <a:p>
+            <a:pPr lvl="3" marL="1728000" indent="-216000">
+              <a:spcBef>
+                <a:spcPts val="567"/>
+              </a:spcBef>
+              <a:buClr>
+                <a:srgbClr val="000000"/>
+              </a:buClr>
+              <a:buSzPct val="75000"/>
+              <a:buFont typeface="Symbol" charset="2"/>
+              <a:buChar char=""/>
+            </a:pPr>
+            <a:r>
+              <a:rPr b="0" lang="ru-RU" sz="2000" spc="-1" strike="noStrike">
+                <a:solidFill>
+                  <a:srgbClr val="000000"/>
+                </a:solidFill>
+                <a:latin typeface="Arial"/>
+              </a:rPr>
+              <a:t>Четвёртый уровень структуры</a:t>
+            </a:r>
+            <a:endParaRPr b="0" lang="ru-RU" sz="2000" spc="-1" strike="noStrike">
+              <a:solidFill>
+                <a:srgbClr val="000000"/>
+              </a:solidFill>
+              <a:latin typeface="Arial"/>
+            </a:endParaRPr>
+          </a:p>
+          <a:p>
+            <a:pPr lvl="4" marL="2160000" indent="-216000">
+              <a:spcBef>
+                <a:spcPts val="283"/>
+              </a:spcBef>
+              <a:buClr>
+                <a:srgbClr val="000000"/>
+              </a:buClr>
+              <a:buSzPct val="45000"/>
+              <a:buFont typeface="Wingdings" charset="2"/>
+              <a:buChar char=""/>
+            </a:pPr>
+            <a:r>
+              <a:rPr b="0" lang="ru-RU" sz="2000" spc="-1" strike="noStrike">
+                <a:solidFill>
+                  <a:srgbClr val="000000"/>
+                </a:solidFill>
+                <a:latin typeface="Arial"/>
+              </a:rPr>
+              <a:t>Пятый уровень структуры</a:t>
+            </a:r>
+            <a:endParaRPr b="0" lang="ru-RU" sz="2000" spc="-1" strike="noStrike">
+              <a:solidFill>
+                <a:srgbClr val="000000"/>
+              </a:solidFill>
+              <a:latin typeface="Arial"/>
+            </a:endParaRPr>
+          </a:p>
+          <a:p>
+            <a:pPr lvl="5" marL="2592000" indent="-216000">
+              <a:spcBef>
+                <a:spcPts val="283"/>
+              </a:spcBef>
+              <a:buClr>
+                <a:srgbClr val="000000"/>
+              </a:buClr>
+              <a:buSzPct val="45000"/>
+              <a:buFont typeface="Wingdings" charset="2"/>
+              <a:buChar char=""/>
+            </a:pPr>
+            <a:r>
+              <a:rPr b="0" lang="ru-RU" sz="2000" spc="-1" strike="noStrike">
+                <a:solidFill>
+                  <a:srgbClr val="000000"/>
+                </a:solidFill>
+                <a:latin typeface="Arial"/>
+              </a:rPr>
+              <a:t>Шестой уровень структуры</a:t>
+            </a:r>
+            <a:endParaRPr b="0" lang="ru-RU" sz="2000" spc="-1" strike="noStrike">
+              <a:solidFill>
+                <a:srgbClr val="000000"/>
+              </a:solidFill>
+              <a:latin typeface="Arial"/>
+            </a:endParaRPr>
+          </a:p>
+          <a:p>
+            <a:pPr lvl="6" marL="3024000" indent="-216000">
+              <a:spcBef>
+                <a:spcPts val="283"/>
+              </a:spcBef>
+              <a:buClr>
+                <a:srgbClr val="000000"/>
+              </a:buClr>
+              <a:buSzPct val="45000"/>
+              <a:buFont typeface="Wingdings" charset="2"/>
+              <a:buChar char=""/>
+            </a:pPr>
+            <a:r>
+              <a:rPr b="0" lang="ru-RU" sz="2000" spc="-1" strike="noStrike">
+                <a:solidFill>
+                  <a:srgbClr val="000000"/>
+                </a:solidFill>
+                <a:latin typeface="Arial"/>
+              </a:rPr>
+              <a:t>Седьмой уровень структуры</a:t>
+            </a:r>
+            <a:endParaRPr b="0" lang="ru-RU" sz="2000" spc="-1" strike="noStrike">
+              <a:solidFill>
+                <a:srgbClr val="000000"/>
+              </a:solidFill>
+              <a:latin typeface="Arial"/>
             </a:endParaRPr>
           </a:p>
         </p:txBody>
@@ -8622,7 +8367,7 @@
         <p:spPr>
           <a:xfrm>
             <a:off x="0" y="5400000"/>
-            <a:ext cx="10079640" cy="269640"/>
+            <a:ext cx="10079280" cy="269280"/>
           </a:xfrm>
           <a:prstGeom prst="rect">
             <a:avLst/>
@@ -8669,7 +8414,7 @@
         <p:spPr>
           <a:xfrm>
             <a:off x="0" y="0"/>
-            <a:ext cx="10079640" cy="1214640"/>
+            <a:ext cx="10079280" cy="1214280"/>
           </a:xfrm>
           <a:prstGeom prst="rect">
             <a:avLst/>
@@ -8716,7 +8461,7 @@
         <p:spPr>
           <a:xfrm>
             <a:off x="9315000" y="5175000"/>
-            <a:ext cx="449640" cy="449640"/>
+            <a:ext cx="449280" cy="449280"/>
           </a:xfrm>
           <a:prstGeom prst="ellipse">
             <a:avLst/>
@@ -8766,7 +8511,7 @@
         <p:spPr>
           <a:xfrm>
             <a:off x="9180000" y="5130000"/>
-            <a:ext cx="719640" cy="539640"/>
+            <a:ext cx="719280" cy="539280"/>
           </a:xfrm>
           <a:prstGeom prst="rect">
             <a:avLst/>
@@ -8792,7 +8537,7 @@
                 <a:spcPct val="100000"/>
               </a:lnSpc>
             </a:pPr>
-            <a:fld id="{50DEE724-4B0A-4868-A45F-765FAE313EAA}" type="slidenum">
+            <a:fld id="{8BF4B935-F24D-4966-844E-FF8DF8E7F932}" type="slidenum">
               <a:rPr b="1" lang="ru-RU" sz="1800" spc="-1" strike="noStrike">
                 <a:solidFill>
                   <a:srgbClr val="ffffff"/>
@@ -8824,7 +8569,7 @@
         <p:spPr>
           <a:xfrm>
             <a:off x="3420000" y="5400000"/>
-            <a:ext cx="3239640" cy="269640"/>
+            <a:ext cx="3239280" cy="269280"/>
           </a:xfrm>
           <a:prstGeom prst="rect">
             <a:avLst/>
@@ -8898,7 +8643,7 @@
         <p:spPr>
           <a:xfrm>
             <a:off x="360000" y="5400000"/>
-            <a:ext cx="2879640" cy="269640"/>
+            <a:ext cx="2879280" cy="269280"/>
           </a:xfrm>
           <a:prstGeom prst="rect">
             <a:avLst/>
@@ -8973,11 +8718,11 @@
             <a:noAutofit/>
           </a:bodyPr>
           <a:p>
-            <a:pPr indent="0">
-              <a:buNone/>
-            </a:pPr>
-            <a:r>
-              <a:rPr b="0" lang="ru-RU" sz="1800" spc="-1" strike="noStrike">
+            <a:pPr indent="0" algn="ctr">
+              <a:buNone/>
+            </a:pPr>
+            <a:r>
+              <a:rPr b="0" lang="ru-RU" sz="4400" spc="-1" strike="noStrike">
                 <a:solidFill>
                   <a:srgbClr val="000000"/>
                 </a:solidFill>
@@ -8985,7 +8730,7 @@
               </a:rPr>
               <a:t>Для правки текста заглавия щёлкните мышью</a:t>
             </a:r>
-            <a:endParaRPr b="0" lang="ru-RU" sz="1800" spc="-1" strike="noStrike">
+            <a:endParaRPr b="0" lang="ru-RU" sz="4400" spc="-1" strike="noStrike">
               <a:solidFill>
                 <a:srgbClr val="000000"/>
               </a:solidFill>
@@ -9023,9 +8768,6 @@
           </a:bodyPr>
           <a:p>
             <a:pPr marL="432000" indent="-324000">
-              <a:lnSpc>
-                <a:spcPct val="90000"/>
-              </a:lnSpc>
               <a:spcBef>
                 <a:spcPts val="1417"/>
               </a:spcBef>
@@ -9035,6 +8777,34 @@
               <a:buSzPct val="45000"/>
               <a:buFont typeface="Wingdings" charset="2"/>
               <a:buChar char=""/>
+            </a:pPr>
+            <a:r>
+              <a:rPr b="0" lang="ru-RU" sz="3200" spc="-1" strike="noStrike">
+                <a:solidFill>
+                  <a:srgbClr val="000000"/>
+                </a:solidFill>
+                <a:latin typeface="Arial"/>
+              </a:rPr>
+              <a:t>Для правки структуры щёлкните мышью</a:t>
+            </a:r>
+            <a:endParaRPr b="0" lang="ru-RU" sz="3200" spc="-1" strike="noStrike">
+              <a:solidFill>
+                <a:srgbClr val="000000"/>
+              </a:solidFill>
+              <a:latin typeface="Arial"/>
+            </a:endParaRPr>
+          </a:p>
+          <a:p>
+            <a:pPr lvl="1" marL="864000" indent="-324000">
+              <a:spcBef>
+                <a:spcPts val="1134"/>
+              </a:spcBef>
+              <a:buClr>
+                <a:srgbClr val="000000"/>
+              </a:buClr>
+              <a:buSzPct val="75000"/>
+              <a:buFont typeface="Symbol" charset="2"/>
+              <a:buChar char=""/>
             </a:pPr>
             <a:r>
               <a:rPr b="0" lang="ru-RU" sz="2800" spc="-1" strike="noStrike">
@@ -9043,7 +8813,7 @@
                 </a:solidFill>
                 <a:latin typeface="Arial"/>
               </a:rPr>
-              <a:t>Для правки структуры щёлкните мышью</a:t>
+              <a:t>Второй уровень структуры</a:t>
             </a:r>
             <a:endParaRPr b="0" lang="ru-RU" sz="2800" spc="-1" strike="noStrike">
               <a:solidFill>
@@ -9053,12 +8823,37 @@
             </a:endParaRPr>
           </a:p>
           <a:p>
-            <a:pPr lvl="1" marL="864000" indent="-324000">
-              <a:lnSpc>
-                <a:spcPct val="90000"/>
-              </a:lnSpc>
+            <a:pPr lvl="2" marL="1296000" indent="-288000">
               <a:spcBef>
-                <a:spcPts val="1134"/>
+                <a:spcPts val="850"/>
+              </a:spcBef>
+              <a:buClr>
+                <a:srgbClr val="000000"/>
+              </a:buClr>
+              <a:buSzPct val="45000"/>
+              <a:buFont typeface="Wingdings" charset="2"/>
+              <a:buChar char=""/>
+            </a:pPr>
+            <a:r>
+              <a:rPr b="0" lang="ru-RU" sz="2400" spc="-1" strike="noStrike">
+                <a:solidFill>
+                  <a:srgbClr val="000000"/>
+                </a:solidFill>
+                <a:latin typeface="Arial"/>
+              </a:rPr>
+              <a:t>Третий уровень структуры</a:t>
+            </a:r>
+            <a:endParaRPr b="0" lang="ru-RU" sz="2400" spc="-1" strike="noStrike">
+              <a:solidFill>
+                <a:srgbClr val="000000"/>
+              </a:solidFill>
+              <a:latin typeface="Arial"/>
+            </a:endParaRPr>
+          </a:p>
+          <a:p>
+            <a:pPr lvl="3" marL="1728000" indent="-216000">
+              <a:spcBef>
+                <a:spcPts val="567"/>
               </a:spcBef>
               <a:buClr>
                 <a:srgbClr val="000000"/>
@@ -9074,7 +8869,7 @@
                 </a:solidFill>
                 <a:latin typeface="Arial"/>
               </a:rPr>
-              <a:t>Второй уровень структуры</a:t>
+              <a:t>Четвёртый уровень структуры</a:t>
             </a:r>
             <a:endParaRPr b="0" lang="ru-RU" sz="2000" spc="-1" strike="noStrike">
               <a:solidFill>
@@ -9084,72 +8879,7 @@
             </a:endParaRPr>
           </a:p>
           <a:p>
-            <a:pPr lvl="2" marL="1296000" indent="-288000">
-              <a:lnSpc>
-                <a:spcPct val="90000"/>
-              </a:lnSpc>
-              <a:spcBef>
-                <a:spcPts val="850"/>
-              </a:spcBef>
-              <a:buClr>
-                <a:srgbClr val="000000"/>
-              </a:buClr>
-              <a:buSzPct val="45000"/>
-              <a:buFont typeface="Wingdings" charset="2"/>
-              <a:buChar char=""/>
-            </a:pPr>
-            <a:r>
-              <a:rPr b="0" lang="ru-RU" sz="1800" spc="-1" strike="noStrike">
-                <a:solidFill>
-                  <a:srgbClr val="000000"/>
-                </a:solidFill>
-                <a:latin typeface="Arial"/>
-              </a:rPr>
-              <a:t>Третий уровень структуры</a:t>
-            </a:r>
-            <a:endParaRPr b="0" lang="ru-RU" sz="1800" spc="-1" strike="noStrike">
-              <a:solidFill>
-                <a:srgbClr val="000000"/>
-              </a:solidFill>
-              <a:latin typeface="Arial"/>
-            </a:endParaRPr>
-          </a:p>
-          <a:p>
-            <a:pPr lvl="3" marL="1728000" indent="-216000">
-              <a:lnSpc>
-                <a:spcPct val="90000"/>
-              </a:lnSpc>
-              <a:spcBef>
-                <a:spcPts val="567"/>
-              </a:spcBef>
-              <a:buClr>
-                <a:srgbClr val="000000"/>
-              </a:buClr>
-              <a:buSzPct val="75000"/>
-              <a:buFont typeface="Symbol" charset="2"/>
-              <a:buChar char=""/>
-            </a:pPr>
-            <a:r>
-              <a:rPr b="0" lang="ru-RU" sz="1800" spc="-1" strike="noStrike">
-                <a:solidFill>
-                  <a:srgbClr val="000000"/>
-                </a:solidFill>
-                <a:latin typeface="Arial"/>
-              </a:rPr>
-              <a:t>Четвёртый уровень структуры</a:t>
-            </a:r>
-            <a:endParaRPr b="0" lang="ru-RU" sz="1800" spc="-1" strike="noStrike">
-              <a:solidFill>
-                <a:srgbClr val="000000"/>
-              </a:solidFill>
-              <a:latin typeface="Arial"/>
-            </a:endParaRPr>
-          </a:p>
-          <a:p>
             <a:pPr lvl="4" marL="2160000" indent="-216000">
-              <a:lnSpc>
-                <a:spcPct val="90000"/>
-              </a:lnSpc>
               <a:spcBef>
                 <a:spcPts val="283"/>
               </a:spcBef>
@@ -9178,9 +8908,6 @@
           </a:p>
           <a:p>
             <a:pPr lvl="5" marL="2592000" indent="-216000">
-              <a:lnSpc>
-                <a:spcPct val="90000"/>
-              </a:lnSpc>
               <a:spcBef>
                 <a:spcPts val="283"/>
               </a:spcBef>
@@ -9209,9 +8936,6 @@
           </a:p>
           <a:p>
             <a:pPr lvl="6" marL="3024000" indent="-216000">
-              <a:lnSpc>
-                <a:spcPct val="90000"/>
-              </a:lnSpc>
               <a:spcBef>
                 <a:spcPts val="283"/>
               </a:spcBef>
@@ -9290,7 +9014,7 @@
         <p:spPr>
           <a:xfrm>
             <a:off x="360000" y="2835000"/>
-            <a:ext cx="9359640" cy="718560"/>
+            <a:ext cx="9359280" cy="718200"/>
           </a:xfrm>
           <a:prstGeom prst="rect">
             <a:avLst/>
@@ -9310,6 +9034,9 @@
                 <a:spcPct val="150000"/>
               </a:lnSpc>
               <a:buNone/>
+              <a:tabLst>
+                <a:tab algn="l" pos="0"/>
+              </a:tabLst>
             </a:pPr>
             <a:r>
               <a:rPr b="1" lang="ru-RU" sz="2700" spc="-1" strike="noStrike">
@@ -9343,7 +9070,7 @@
         <p:spPr>
           <a:xfrm>
             <a:off x="360000" y="3915000"/>
-            <a:ext cx="9359640" cy="1484640"/>
+            <a:ext cx="9359280" cy="1484280"/>
           </a:xfrm>
           <a:prstGeom prst="rect">
             <a:avLst/>
@@ -9361,16 +9088,126 @@
             <a:pPr indent="0" algn="ctr">
               <a:buNone/>
             </a:pPr>
-            <a:endParaRPr b="0" lang="ru-RU" sz="2800" spc="-1" strike="noStrike">
-              <a:solidFill>
-                <a:srgbClr val="000000"/>
-              </a:solidFill>
-              <a:latin typeface="Arial"/>
-              <a:ea typeface="DejaVu Sans"/>
-            </a:endParaRPr>
-          </a:p>
-        </p:txBody>
-      </p:sp>
+            <a:endParaRPr b="0" lang="ru-RU" sz="1800" spc="-1" strike="noStrike">
+              <a:solidFill>
+                <a:srgbClr val="000000"/>
+              </a:solidFill>
+              <a:latin typeface="Arial"/>
+            </a:endParaRPr>
+          </a:p>
+        </p:txBody>
+      </p:sp>
+    </p:spTree>
+  </p:cSld>
+  <mc:AlternateContent>
+    <mc:Choice Requires="p14">
+      <p:transition spd="slow" p14:dur="2000"/>
+    </mc:Choice>
+    <mc:Fallback>
+      <p:transition spd="slow"/>
+    </mc:Fallback>
+  </mc:AlternateContent>
+</p:sld>
+</file>
+
+<file path=ppt/slides/slide10.xml><?xml version="1.0" encoding="utf-8"?>
+<p:sld xmlns:a="http://schemas.openxmlformats.org/drawingml/2006/main" xmlns:p="http://schemas.openxmlformats.org/presentationml/2006/main" xmlns:r="http://schemas.openxmlformats.org/officeDocument/2006/relationships" xmlns:p14="http://schemas.microsoft.com/office/powerpoint/2010/main" xmlns:p15="http://schemas.microsoft.com/office/powerpoint/2012/main" xmlns:mc="http://schemas.openxmlformats.org/markup-compatibility/2006">
+  <p:cSld>
+    <p:spTree>
+      <p:nvGrpSpPr>
+        <p:cNvPr id="1" name=""/>
+        <p:cNvGrpSpPr/>
+        <p:nvPr/>
+      </p:nvGrpSpPr>
+      <p:grpSpPr>
+        <a:xfrm>
+          <a:off x="0" y="0"/>
+          <a:ext cx="0" cy="0"/>
+          <a:chOff x="0" y="0"/>
+          <a:chExt cx="0" cy="0"/>
+        </a:xfrm>
+      </p:grpSpPr>
+      <p:sp>
+        <p:nvSpPr>
+          <p:cNvPr id="161" name="PlaceHolder 1"/>
+          <p:cNvSpPr>
+            <a:spLocks noGrp="1"/>
+          </p:cNvSpPr>
+          <p:nvPr>
+            <p:ph type="subTitle"/>
+          </p:nvPr>
+        </p:nvSpPr>
+        <p:spPr>
+          <a:xfrm>
+            <a:off x="2954880" y="1298520"/>
+            <a:ext cx="4154040" cy="630720"/>
+          </a:xfrm>
+          <a:prstGeom prst="rect">
+            <a:avLst/>
+          </a:prstGeom>
+          <a:noFill/>
+          <a:ln w="0">
+            <a:noFill/>
+          </a:ln>
+        </p:spPr>
+        <p:txBody>
+          <a:bodyPr lIns="0" rIns="0" tIns="0" bIns="0" anchor="ctr">
+            <a:noAutofit/>
+          </a:bodyPr>
+          <a:p>
+            <a:pPr algn="ctr">
+              <a:lnSpc>
+                <a:spcPct val="90000"/>
+              </a:lnSpc>
+              <a:spcBef>
+                <a:spcPts val="1001"/>
+              </a:spcBef>
+              <a:tabLst>
+                <a:tab algn="l" pos="0"/>
+              </a:tabLst>
+            </a:pPr>
+            <a:r>
+              <a:rPr b="0" lang="ru-RU" sz="3200" spc="-1" strike="noStrike">
+                <a:solidFill>
+                  <a:srgbClr val="2c3e50"/>
+                </a:solidFill>
+                <a:latin typeface="Source Sans Pro"/>
+                <a:ea typeface="DejaVu Sans"/>
+              </a:rPr>
+              <a:t>Спасибо за внимание!</a:t>
+            </a:r>
+            <a:endParaRPr b="0" lang="ru-RU" sz="3200" spc="-1" strike="noStrike">
+              <a:solidFill>
+                <a:srgbClr val="000000"/>
+              </a:solidFill>
+              <a:latin typeface="Arial"/>
+            </a:endParaRPr>
+          </a:p>
+        </p:txBody>
+      </p:sp>
+      <p:pic>
+        <p:nvPicPr>
+          <p:cNvPr id="162" name="Рисунок 1" descr="Изображение выглядит как графическая вставка, зарисовка, рисунок, иллюстрация&#10;&#10;Автоматически созданное описание"/>
+          <p:cNvPicPr/>
+          <p:nvPr/>
+        </p:nvPicPr>
+        <p:blipFill>
+          <a:blip r:embed="rId1"/>
+          <a:stretch/>
+        </p:blipFill>
+        <p:spPr>
+          <a:xfrm>
+            <a:off x="3705480" y="1929960"/>
+            <a:ext cx="2742480" cy="3301920"/>
+          </a:xfrm>
+          <a:prstGeom prst="rect">
+            <a:avLst/>
+          </a:prstGeom>
+          <a:ln w="0">
+            <a:noFill/>
+          </a:ln>
+        </p:spPr>
+      </p:pic>
     </p:spTree>
   </p:cSld>
   <mc:AlternateContent>
@@ -9414,7 +9251,7 @@
         <p:spPr>
           <a:xfrm>
             <a:off x="360000" y="225720"/>
-            <a:ext cx="9359640" cy="719640"/>
+            <a:ext cx="9359280" cy="719280"/>
           </a:xfrm>
           <a:prstGeom prst="rect">
             <a:avLst/>
@@ -9470,7 +9307,7 @@
         <p:spPr>
           <a:xfrm>
             <a:off x="1244520" y="4624560"/>
-            <a:ext cx="2898720" cy="435960"/>
+            <a:ext cx="2898360" cy="435600"/>
           </a:xfrm>
           <a:prstGeom prst="rect">
             <a:avLst/>
@@ -9534,7 +9371,7 @@
         <p:spPr>
           <a:xfrm>
             <a:off x="1311840" y="1563840"/>
-            <a:ext cx="2768760" cy="2769120"/>
+            <a:ext cx="2768400" cy="2768760"/>
           </a:xfrm>
           <a:prstGeom prst="rect">
             <a:avLst/>
@@ -9563,58 +9400,16 @@
           </a:sp3d>
         </p:spPr>
       </p:pic>
-      <p:pic>
-        <p:nvPicPr>
-          <p:cNvPr id="136" name="Рисунок 3" descr="Изображение выглядит как Человеческое лицо, человек, одежда, концерт&#10;&#10;Автоматически созданное описание"/>
-          <p:cNvPicPr/>
-          <p:nvPr/>
-        </p:nvPicPr>
-        <p:blipFill>
-          <a:blip r:embed="rId2"/>
-          <a:stretch/>
-        </p:blipFill>
-        <p:spPr>
-          <a:xfrm>
-            <a:off x="5682240" y="1563840"/>
-            <a:ext cx="2766960" cy="2759760"/>
-          </a:xfrm>
-          <a:prstGeom prst="rect">
-            <a:avLst/>
-          </a:prstGeom>
-          <a:ln w="88900">
-            <a:noFill/>
-          </a:ln>
-          <a:effectLst>
-            <a:outerShdw algn="tl" blurRad="55080" dir="5400000" dist="18000" rotWithShape="0">
-              <a:srgbClr val="000000">
-                <a:alpha val="40000"/>
-              </a:srgbClr>
-            </a:outerShdw>
-          </a:effectLst>
-          <a:scene3d>
-            <a:camera prst="orthographicFront"/>
-            <a:lightRig dir="t" rig="twoPt">
-              <a:rot lat="0" lon="0" rev="7200000"/>
-            </a:lightRig>
-          </a:scene3d>
-          <a:sp3d>
-            <a:bevelT w="25400" h="19050"/>
-            <a:contourClr>
-              <a:srgbClr val="ffffff"/>
-            </a:contourClr>
-          </a:sp3d>
-        </p:spPr>
-      </p:pic>
-      <p:sp>
-        <p:nvSpPr>
-          <p:cNvPr id="137" name="TextBox 4"/>
+      <p:sp>
+        <p:nvSpPr>
+          <p:cNvPr id="136" name="TextBox 4"/>
           <p:cNvSpPr/>
           <p:nvPr/>
         </p:nvSpPr>
         <p:spPr>
           <a:xfrm>
             <a:off x="5864040" y="4543560"/>
-            <a:ext cx="2414880" cy="456840"/>
+            <a:ext cx="2414520" cy="455400"/>
           </a:xfrm>
           <a:prstGeom prst="rect">
             <a:avLst/>
@@ -9631,7 +9426,7 @@
           <a:fontRef idx="minor"/>
         </p:style>
         <p:txBody>
-          <a:bodyPr numCol="1" spcCol="0" horzOverflow="overflow" vertOverflow="overflow" anchor="t">
+          <a:bodyPr numCol="1" spcCol="0" horzOverflow="overflow" vertOverflow="overflow" lIns="90000" rIns="90000" tIns="45000" bIns="45000" anchor="t">
             <a:spAutoFit/>
           </a:bodyPr>
           <a:p>
@@ -9659,6 +9454,29 @@
           </a:p>
         </p:txBody>
       </p:sp>
+      <p:pic>
+        <p:nvPicPr>
+          <p:cNvPr id="137" name="" descr=""/>
+          <p:cNvPicPr/>
+          <p:nvPr/>
+        </p:nvPicPr>
+        <p:blipFill>
+          <a:blip r:embed="rId2"/>
+          <a:stretch/>
+        </p:blipFill>
+        <p:spPr>
+          <a:xfrm>
+            <a:off x="5864040" y="1532160"/>
+            <a:ext cx="2258280" cy="3011400"/>
+          </a:xfrm>
+          <a:prstGeom prst="rect">
+            <a:avLst/>
+          </a:prstGeom>
+          <a:ln w="0">
+            <a:noFill/>
+          </a:ln>
+        </p:spPr>
+      </p:pic>
     </p:spTree>
   </p:cSld>
   <mc:AlternateContent>
@@ -9702,7 +9520,7 @@
         <p:spPr>
           <a:xfrm>
             <a:off x="360000" y="225720"/>
-            <a:ext cx="9359640" cy="718560"/>
+            <a:ext cx="9359280" cy="718200"/>
           </a:xfrm>
           <a:prstGeom prst="rect">
             <a:avLst/>
@@ -9758,7 +9576,7 @@
         <p:spPr>
           <a:xfrm>
             <a:off x="360000" y="1485000"/>
-            <a:ext cx="9359640" cy="3779640"/>
+            <a:ext cx="9359280" cy="3779280"/>
           </a:xfrm>
           <a:prstGeom prst="rect">
             <a:avLst/>
@@ -9770,7 +9588,7 @@
         </p:spPr>
         <p:txBody>
           <a:bodyPr lIns="0" rIns="0" tIns="0" bIns="0" anchor="t">
-            <a:normAutofit/>
+            <a:normAutofit fontScale="98000"/>
           </a:bodyPr>
           <a:p>
             <a:pPr marL="431640" indent="-324000">
@@ -9798,7 +9616,77 @@
                 <a:latin typeface="Source Sans Pro Semibold"/>
                 <a:ea typeface="DejaVu Sans"/>
               </a:rPr>
-              <a:t>Наша игра - маленькое путешествие по чужому миру. Главный герой спасает королевство от страшных монстров. Погрузитесь в игру и спасите замок.</a:t>
+              <a:t>Наша игра - маленькое путешествие по чужому миру. Главный герой спасает королевство от страшных монстров. Погрузитесь в игру и спасите жителей деревни.</a:t>
+            </a:r>
+            <a:endParaRPr b="0" lang="ru-RU" sz="2400" spc="-1" strike="noStrike">
+              <a:solidFill>
+                <a:srgbClr val="000000"/>
+              </a:solidFill>
+              <a:latin typeface="Arial"/>
+            </a:endParaRPr>
+          </a:p>
+          <a:p>
+            <a:pPr marL="431640" indent="-324000">
+              <a:lnSpc>
+                <a:spcPct val="90000"/>
+              </a:lnSpc>
+              <a:spcBef>
+                <a:spcPts val="1001"/>
+              </a:spcBef>
+              <a:spcAft>
+                <a:spcPts val="1057"/>
+              </a:spcAft>
+              <a:buClr>
+                <a:srgbClr val="2c3e50"/>
+              </a:buClr>
+              <a:buSzPct val="45000"/>
+              <a:buFont typeface="Wingdings" charset="2"/>
+              <a:buChar char=""/>
+            </a:pPr>
+            <a:r>
+              <a:rPr b="1" lang="ru-RU" sz="2400" spc="-1" strike="noStrike">
+                <a:solidFill>
+                  <a:srgbClr val="2c3e50"/>
+                </a:solidFill>
+                <a:latin typeface="Source Sans Pro Semibold"/>
+                <a:ea typeface="DejaVu Sans"/>
+              </a:rPr>
+              <a:t>В управление игроку даётся рыцарь, который может прыгать, бегать и бить врагов мечом.</a:t>
+            </a:r>
+            <a:endParaRPr b="0" lang="ru-RU" sz="2400" spc="-1" strike="noStrike">
+              <a:solidFill>
+                <a:srgbClr val="000000"/>
+              </a:solidFill>
+              <a:latin typeface="Arial"/>
+            </a:endParaRPr>
+          </a:p>
+          <a:p>
+            <a:pPr marL="431640" indent="-324000">
+              <a:lnSpc>
+                <a:spcPct val="90000"/>
+              </a:lnSpc>
+              <a:spcBef>
+                <a:spcPts val="1001"/>
+              </a:spcBef>
+              <a:spcAft>
+                <a:spcPts val="1057"/>
+              </a:spcAft>
+              <a:buClr>
+                <a:srgbClr val="2c3e50"/>
+              </a:buClr>
+              <a:buSzPct val="45000"/>
+              <a:buFont typeface="Wingdings" charset="2"/>
+              <a:buChar char=""/>
+            </a:pPr>
+            <a:r>
+              <a:rPr b="1" lang="ru-RU" sz="2400" spc="-1" strike="noStrike">
+                <a:solidFill>
+                  <a:srgbClr val="2c3e50"/>
+                </a:solidFill>
+                <a:latin typeface="Source Sans Pro Semibold"/>
+                <a:ea typeface="DejaVu Sans"/>
+              </a:rPr>
+              <a:t>Игра включает в себя элемент souls-like игр: при взаимодействии с точками сохранения у персонажа восстанавливается здоровье и аптечки, но на карте возрождаются все враги. Так же при смерти деньги теряются, а вы появляетесь возле точки сохранения, за деньгами нужно и идти туда, где вы погибли.</a:t>
             </a:r>
             <a:endParaRPr b="0" lang="ru-RU" sz="2400" spc="-1" strike="noStrike">
               <a:solidFill>
@@ -9819,6 +9707,9 @@
                 <a:spcPts val="1057"/>
               </a:spcAft>
               <a:buNone/>
+              <a:tabLst>
+                <a:tab algn="l" pos="0"/>
+              </a:tabLst>
             </a:pPr>
             <a:endParaRPr b="0" lang="ru-RU" sz="2400" spc="-1" strike="noStrike">
               <a:solidFill>
@@ -9872,7 +9763,7 @@
         <p:spPr>
           <a:xfrm>
             <a:off x="360000" y="225720"/>
-            <a:ext cx="9359640" cy="718560"/>
+            <a:ext cx="9359280" cy="718200"/>
           </a:xfrm>
           <a:prstGeom prst="rect">
             <a:avLst/>
@@ -9928,7 +9819,7 @@
         <p:spPr>
           <a:xfrm>
             <a:off x="360000" y="1485000"/>
-            <a:ext cx="4750200" cy="3779640"/>
+            <a:ext cx="4749840" cy="3779280"/>
           </a:xfrm>
           <a:prstGeom prst="rect">
             <a:avLst/>
@@ -10178,6 +10069,9 @@
                 <a:spcPts val="1057"/>
               </a:spcAft>
               <a:buNone/>
+              <a:tabLst>
+                <a:tab algn="l" pos="0"/>
+              </a:tabLst>
             </a:pPr>
             <a:endParaRPr b="0" lang="ru-RU" sz="2400" spc="-1" strike="noStrike">
               <a:solidFill>
@@ -10201,7 +10095,7 @@
         <p:spPr>
           <a:xfrm>
             <a:off x="4530240" y="2479320"/>
-            <a:ext cx="5181840" cy="2050560"/>
+            <a:ext cx="5181480" cy="2050200"/>
           </a:xfrm>
           <a:prstGeom prst="rect">
             <a:avLst/>
@@ -10254,7 +10148,7 @@
         <p:spPr>
           <a:xfrm>
             <a:off x="360000" y="225720"/>
-            <a:ext cx="9359640" cy="718560"/>
+            <a:ext cx="9359280" cy="718200"/>
           </a:xfrm>
           <a:prstGeom prst="rect">
             <a:avLst/>
@@ -10297,53 +10191,75 @@
           </a:p>
         </p:txBody>
       </p:sp>
-      <p:sp>
-        <p:nvSpPr>
-          <p:cNvPr id="144" name="PlaceHolder 2"/>
-          <p:cNvSpPr>
-            <a:spLocks noGrp="1"/>
-          </p:cNvSpPr>
-          <p:nvPr>
-            <p:ph/>
-          </p:nvPr>
-        </p:nvSpPr>
-        <p:spPr>
-          <a:xfrm>
-            <a:off x="360000" y="1485000"/>
-            <a:ext cx="9359640" cy="3779640"/>
-          </a:xfrm>
-          <a:prstGeom prst="rect">
-            <a:avLst/>
-          </a:prstGeom>
-          <a:noFill/>
-          <a:ln w="0">
-            <a:noFill/>
-          </a:ln>
-        </p:spPr>
-        <p:txBody>
-          <a:bodyPr lIns="0" rIns="0" tIns="0" bIns="0" anchor="t">
-            <a:normAutofit/>
-          </a:bodyPr>
-          <a:p>
-            <a:pPr indent="0">
-              <a:lnSpc>
-                <a:spcPct val="90000"/>
-              </a:lnSpc>
-              <a:spcBef>
-                <a:spcPts val="1417"/>
-              </a:spcBef>
-              <a:buNone/>
-            </a:pPr>
-            <a:endParaRPr b="0" lang="ru-RU" sz="2800" spc="-1" strike="noStrike">
-              <a:solidFill>
-                <a:srgbClr val="000000"/>
-              </a:solidFill>
-              <a:latin typeface="Arial"/>
-              <a:ea typeface="DejaVu Sans"/>
-            </a:endParaRPr>
-          </a:p>
-        </p:txBody>
-      </p:sp>
+      <p:pic>
+        <p:nvPicPr>
+          <p:cNvPr id="144" name="" descr=""/>
+          <p:cNvPicPr/>
+          <p:nvPr/>
+        </p:nvPicPr>
+        <p:blipFill>
+          <a:blip r:embed="rId1"/>
+          <a:stretch/>
+        </p:blipFill>
+        <p:spPr>
+          <a:xfrm>
+            <a:off x="540000" y="1440000"/>
+            <a:ext cx="4301280" cy="2418480"/>
+          </a:xfrm>
+          <a:prstGeom prst="rect">
+            <a:avLst/>
+          </a:prstGeom>
+          <a:ln w="0">
+            <a:noFill/>
+          </a:ln>
+        </p:spPr>
+      </p:pic>
+      <p:pic>
+        <p:nvPicPr>
+          <p:cNvPr id="145" name="" descr=""/>
+          <p:cNvPicPr/>
+          <p:nvPr/>
+        </p:nvPicPr>
+        <p:blipFill>
+          <a:blip r:embed="rId2"/>
+          <a:stretch/>
+        </p:blipFill>
+        <p:spPr>
+          <a:xfrm>
+            <a:off x="5400000" y="1440000"/>
+            <a:ext cx="4301280" cy="2418480"/>
+          </a:xfrm>
+          <a:prstGeom prst="rect">
+            <a:avLst/>
+          </a:prstGeom>
+          <a:ln w="0">
+            <a:noFill/>
+          </a:ln>
+        </p:spPr>
+      </p:pic>
+      <p:pic>
+        <p:nvPicPr>
+          <p:cNvPr id="146" name="" descr=""/>
+          <p:cNvPicPr/>
+          <p:nvPr/>
+        </p:nvPicPr>
+        <p:blipFill>
+          <a:blip r:embed="rId3"/>
+          <a:stretch/>
+        </p:blipFill>
+        <p:spPr>
+          <a:xfrm>
+            <a:off x="3600000" y="3420000"/>
+            <a:ext cx="3060000" cy="1720800"/>
+          </a:xfrm>
+          <a:prstGeom prst="rect">
+            <a:avLst/>
+          </a:prstGeom>
+          <a:ln w="0">
+            <a:noFill/>
+          </a:ln>
+        </p:spPr>
+      </p:pic>
     </p:spTree>
   </p:cSld>
   <mc:AlternateContent>
@@ -10376,7 +10292,7 @@
       </p:grpSpPr>
       <p:sp>
         <p:nvSpPr>
-          <p:cNvPr id="145" name="PlaceHolder 1"/>
+          <p:cNvPr id="147" name="PlaceHolder 1"/>
           <p:cNvSpPr>
             <a:spLocks noGrp="1"/>
           </p:cNvSpPr>
@@ -10387,7 +10303,7 @@
         <p:spPr>
           <a:xfrm>
             <a:off x="360000" y="225720"/>
-            <a:ext cx="9359640" cy="718560"/>
+            <a:ext cx="9359280" cy="718200"/>
           </a:xfrm>
           <a:prstGeom prst="rect">
             <a:avLst/>
@@ -10419,7 +10335,7 @@
                 <a:latin typeface="Source Sans Pro Black"/>
                 <a:ea typeface="DejaVu Sans"/>
               </a:rPr>
-              <a:t>Перспективы дальнейшего развития</a:t>
+              <a:t>Скриншоты готового проекта</a:t>
             </a:r>
             <a:endParaRPr b="0" lang="ru-RU" sz="2700" spc="-1" strike="noStrike">
               <a:solidFill>
@@ -10430,66 +10346,98 @@
           </a:p>
         </p:txBody>
       </p:sp>
-      <p:sp>
-        <p:nvSpPr>
-          <p:cNvPr id="146" name="PlaceHolder 2"/>
-          <p:cNvSpPr>
-            <a:spLocks noGrp="1"/>
-          </p:cNvSpPr>
-          <p:nvPr>
-            <p:ph/>
-          </p:nvPr>
-        </p:nvSpPr>
-        <p:spPr>
-          <a:xfrm>
-            <a:off x="360000" y="1485000"/>
-            <a:ext cx="9359640" cy="3779640"/>
-          </a:xfrm>
-          <a:prstGeom prst="rect">
-            <a:avLst/>
-          </a:prstGeom>
-          <a:noFill/>
-          <a:ln w="0">
-            <a:noFill/>
-          </a:ln>
-        </p:spPr>
-        <p:txBody>
-          <a:bodyPr lIns="0" rIns="0" tIns="0" bIns="0" anchor="t">
-            <a:normAutofit/>
-          </a:bodyPr>
-          <a:p>
-            <a:pPr marL="228600" indent="-228600">
-              <a:lnSpc>
-                <a:spcPct val="90000"/>
-              </a:lnSpc>
-              <a:spcBef>
-                <a:spcPts val="1001"/>
-              </a:spcBef>
-              <a:buClr>
-                <a:srgbClr val="000000"/>
-              </a:buClr>
-              <a:buFont typeface="Arial"/>
-              <a:buChar char="•"/>
-            </a:pPr>
-            <a:r>
-              <a:rPr b="0" lang="ru-RU" sz="2800" spc="-1" strike="noStrike">
-                <a:solidFill>
-                  <a:srgbClr val="000000"/>
-                </a:solidFill>
-                <a:latin typeface="Arial"/>
-              </a:rPr>
-              <a:t>Игру можно сделать крупнее, увеличив карту, нарисовав собственные спрайты и текстуры, а так же добавив в игру новые возможности, которые сделают её интереснее.</a:t>
-            </a:r>
-            <a:endParaRPr b="0" lang="ru-RU" sz="2800" spc="-1" strike="noStrike">
-              <a:solidFill>
-                <a:srgbClr val="000000"/>
-              </a:solidFill>
-              <a:latin typeface="Arial"/>
-              <a:ea typeface="DejaVu Sans"/>
-            </a:endParaRPr>
-          </a:p>
-        </p:txBody>
-      </p:sp>
+      <p:pic>
+        <p:nvPicPr>
+          <p:cNvPr id="148" name="" descr=""/>
+          <p:cNvPicPr/>
+          <p:nvPr/>
+        </p:nvPicPr>
+        <p:blipFill>
+          <a:blip r:embed="rId1"/>
+          <a:stretch/>
+        </p:blipFill>
+        <p:spPr>
+          <a:xfrm>
+            <a:off x="180000" y="1260000"/>
+            <a:ext cx="3420000" cy="1923120"/>
+          </a:xfrm>
+          <a:prstGeom prst="rect">
+            <a:avLst/>
+          </a:prstGeom>
+          <a:ln w="0">
+            <a:noFill/>
+          </a:ln>
+        </p:spPr>
+      </p:pic>
+      <p:pic>
+        <p:nvPicPr>
+          <p:cNvPr id="149" name="" descr=""/>
+          <p:cNvPicPr/>
+          <p:nvPr/>
+        </p:nvPicPr>
+        <p:blipFill>
+          <a:blip r:embed="rId2"/>
+          <a:stretch/>
+        </p:blipFill>
+        <p:spPr>
+          <a:xfrm>
+            <a:off x="1800000" y="3240000"/>
+            <a:ext cx="3780000" cy="2125080"/>
+          </a:xfrm>
+          <a:prstGeom prst="rect">
+            <a:avLst/>
+          </a:prstGeom>
+          <a:ln w="0">
+            <a:noFill/>
+          </a:ln>
+        </p:spPr>
+      </p:pic>
+      <p:pic>
+        <p:nvPicPr>
+          <p:cNvPr id="150" name="" descr=""/>
+          <p:cNvPicPr/>
+          <p:nvPr/>
+        </p:nvPicPr>
+        <p:blipFill>
+          <a:blip r:embed="rId3"/>
+          <a:stretch/>
+        </p:blipFill>
+        <p:spPr>
+          <a:xfrm>
+            <a:off x="3960000" y="1260000"/>
+            <a:ext cx="3420000" cy="1923120"/>
+          </a:xfrm>
+          <a:prstGeom prst="rect">
+            <a:avLst/>
+          </a:prstGeom>
+          <a:ln w="0">
+            <a:noFill/>
+          </a:ln>
+        </p:spPr>
+      </p:pic>
+      <p:pic>
+        <p:nvPicPr>
+          <p:cNvPr id="151" name="" descr=""/>
+          <p:cNvPicPr/>
+          <p:nvPr/>
+        </p:nvPicPr>
+        <p:blipFill>
+          <a:blip r:embed="rId4"/>
+          <a:stretch/>
+        </p:blipFill>
+        <p:spPr>
+          <a:xfrm>
+            <a:off x="5940000" y="3240000"/>
+            <a:ext cx="3780360" cy="2125800"/>
+          </a:xfrm>
+          <a:prstGeom prst="rect">
+            <a:avLst/>
+          </a:prstGeom>
+          <a:ln w="0">
+            <a:noFill/>
+          </a:ln>
+        </p:spPr>
+      </p:pic>
     </p:spTree>
   </p:cSld>
   <mc:AlternateContent>
@@ -10522,18 +10470,18 @@
       </p:grpSpPr>
       <p:sp>
         <p:nvSpPr>
-          <p:cNvPr id="147" name="PlaceHolder 1"/>
-          <p:cNvSpPr>
-            <a:spLocks noGrp="1"/>
-          </p:cNvSpPr>
-          <p:nvPr>
-            <p:ph type="subTitle"/>
-          </p:nvPr>
-        </p:nvSpPr>
-        <p:spPr>
-          <a:xfrm>
-            <a:off x="2954880" y="1298520"/>
-            <a:ext cx="4154400" cy="631080"/>
+          <p:cNvPr id="152" name="PlaceHolder 1"/>
+          <p:cNvSpPr>
+            <a:spLocks noGrp="1"/>
+          </p:cNvSpPr>
+          <p:nvPr>
+            <p:ph type="title"/>
+          </p:nvPr>
+        </p:nvSpPr>
+        <p:spPr>
+          <a:xfrm>
+            <a:off x="360000" y="225720"/>
+            <a:ext cx="9359280" cy="718200"/>
           </a:xfrm>
           <a:prstGeom prst="rect">
             <a:avLst/>
@@ -10548,28 +10496,26 @@
             <a:noAutofit/>
           </a:bodyPr>
           <a:p>
-            <a:pPr algn="ctr">
+            <a:pPr indent="0">
               <a:lnSpc>
                 <a:spcPct val="90000"/>
               </a:lnSpc>
-              <a:spcBef>
-                <a:spcPts val="1001"/>
-              </a:spcBef>
+              <a:buNone/>
               <a:tabLst>
                 <a:tab algn="l" pos="0"/>
               </a:tabLst>
             </a:pPr>
             <a:r>
-              <a:rPr b="0" lang="ru-RU" sz="3200" spc="-1" strike="noStrike">
+              <a:rPr b="1" lang="ru-RU" sz="2700" spc="-1" strike="noStrike">
                 <a:solidFill>
-                  <a:srgbClr val="2c3e50"/>
+                  <a:srgbClr val="ffffff"/>
                 </a:solidFill>
-                <a:latin typeface="Source Sans Pro"/>
+                <a:latin typeface="Source Sans Pro Black"/>
                 <a:ea typeface="DejaVu Sans"/>
               </a:rPr>
-              <a:t>Спасибо за внимание!</a:t>
-            </a:r>
-            <a:endParaRPr b="0" lang="ru-RU" sz="3200" spc="-1" strike="noStrike">
+              <a:t>Скриншоты готового проекта</a:t>
+            </a:r>
+            <a:endParaRPr b="0" lang="ru-RU" sz="2700" spc="-1" strike="noStrike">
               <a:solidFill>
                 <a:srgbClr val="000000"/>
               </a:solidFill>
@@ -10580,7 +10526,7 @@
       </p:sp>
       <p:pic>
         <p:nvPicPr>
-          <p:cNvPr id="148" name="Рисунок 1" descr="Изображение выглядит как графическая вставка, зарисовка, рисунок, иллюстрация&#10;&#10;Автоматически созданное описание"/>
+          <p:cNvPr id="153" name="" descr=""/>
           <p:cNvPicPr/>
           <p:nvPr/>
         </p:nvPicPr>
@@ -10590,8 +10536,8 @@
         </p:blipFill>
         <p:spPr>
           <a:xfrm>
-            <a:off x="3705480" y="1929960"/>
-            <a:ext cx="2742840" cy="3302280"/>
+            <a:off x="179640" y="1260000"/>
+            <a:ext cx="3600360" cy="2024640"/>
           </a:xfrm>
           <a:prstGeom prst="rect">
             <a:avLst/>
@@ -10601,6 +10547,329 @@
           </a:ln>
         </p:spPr>
       </p:pic>
+      <p:pic>
+        <p:nvPicPr>
+          <p:cNvPr id="154" name="" descr=""/>
+          <p:cNvPicPr/>
+          <p:nvPr/>
+        </p:nvPicPr>
+        <p:blipFill>
+          <a:blip r:embed="rId2"/>
+          <a:stretch/>
+        </p:blipFill>
+        <p:spPr>
+          <a:xfrm>
+            <a:off x="2520000" y="2880000"/>
+            <a:ext cx="4320000" cy="2429280"/>
+          </a:xfrm>
+          <a:prstGeom prst="rect">
+            <a:avLst/>
+          </a:prstGeom>
+          <a:ln w="0">
+            <a:noFill/>
+          </a:ln>
+        </p:spPr>
+      </p:pic>
+      <p:pic>
+        <p:nvPicPr>
+          <p:cNvPr id="155" name="" descr=""/>
+          <p:cNvPicPr/>
+          <p:nvPr/>
+        </p:nvPicPr>
+        <p:blipFill>
+          <a:blip r:embed="rId3"/>
+          <a:stretch/>
+        </p:blipFill>
+        <p:spPr>
+          <a:xfrm>
+            <a:off x="5940000" y="1294560"/>
+            <a:ext cx="3780000" cy="2125440"/>
+          </a:xfrm>
+          <a:prstGeom prst="rect">
+            <a:avLst/>
+          </a:prstGeom>
+          <a:ln w="0">
+            <a:noFill/>
+          </a:ln>
+        </p:spPr>
+      </p:pic>
+    </p:spTree>
+  </p:cSld>
+  <mc:AlternateContent>
+    <mc:Choice Requires="p14">
+      <p:transition spd="slow" p14:dur="2000"/>
+    </mc:Choice>
+    <mc:Fallback>
+      <p:transition spd="slow"/>
+    </mc:Fallback>
+  </mc:AlternateContent>
+</p:sld>
+</file>
+
+<file path=ppt/slides/slide8.xml><?xml version="1.0" encoding="utf-8"?>
+<p:sld xmlns:a="http://schemas.openxmlformats.org/drawingml/2006/main" xmlns:p="http://schemas.openxmlformats.org/presentationml/2006/main" xmlns:r="http://schemas.openxmlformats.org/officeDocument/2006/relationships" xmlns:p14="http://schemas.microsoft.com/office/powerpoint/2010/main" xmlns:p15="http://schemas.microsoft.com/office/powerpoint/2012/main" xmlns:mc="http://schemas.openxmlformats.org/markup-compatibility/2006">
+  <p:cSld>
+    <p:spTree>
+      <p:nvGrpSpPr>
+        <p:cNvPr id="1" name=""/>
+        <p:cNvGrpSpPr/>
+        <p:nvPr/>
+      </p:nvGrpSpPr>
+      <p:grpSpPr>
+        <a:xfrm>
+          <a:off x="0" y="0"/>
+          <a:ext cx="0" cy="0"/>
+          <a:chOff x="0" y="0"/>
+          <a:chExt cx="0" cy="0"/>
+        </a:xfrm>
+      </p:grpSpPr>
+      <p:sp>
+        <p:nvSpPr>
+          <p:cNvPr id="156" name="PlaceHolder 1"/>
+          <p:cNvSpPr>
+            <a:spLocks noGrp="1"/>
+          </p:cNvSpPr>
+          <p:nvPr>
+            <p:ph type="title"/>
+          </p:nvPr>
+        </p:nvSpPr>
+        <p:spPr>
+          <a:xfrm>
+            <a:off x="360000" y="225720"/>
+            <a:ext cx="9359280" cy="718200"/>
+          </a:xfrm>
+          <a:prstGeom prst="rect">
+            <a:avLst/>
+          </a:prstGeom>
+          <a:noFill/>
+          <a:ln w="0">
+            <a:noFill/>
+          </a:ln>
+        </p:spPr>
+        <p:txBody>
+          <a:bodyPr lIns="0" rIns="0" tIns="0" bIns="0" anchor="ctr">
+            <a:noAutofit/>
+          </a:bodyPr>
+          <a:p>
+            <a:pPr indent="0">
+              <a:lnSpc>
+                <a:spcPct val="90000"/>
+              </a:lnSpc>
+              <a:buNone/>
+              <a:tabLst>
+                <a:tab algn="l" pos="0"/>
+              </a:tabLst>
+            </a:pPr>
+            <a:r>
+              <a:rPr b="1" lang="ru-RU" sz="2700" spc="-1" strike="noStrike">
+                <a:solidFill>
+                  <a:srgbClr val="ffffff"/>
+                </a:solidFill>
+                <a:latin typeface="Source Sans Pro Black"/>
+                <a:ea typeface="DejaVu Sans"/>
+              </a:rPr>
+              <a:t>Скриншоты готового проекта</a:t>
+            </a:r>
+            <a:endParaRPr b="0" lang="ru-RU" sz="2700" spc="-1" strike="noStrike">
+              <a:solidFill>
+                <a:srgbClr val="000000"/>
+              </a:solidFill>
+              <a:latin typeface="Arial"/>
+            </a:endParaRPr>
+          </a:p>
+        </p:txBody>
+      </p:sp>
+      <p:pic>
+        <p:nvPicPr>
+          <p:cNvPr id="157" name="" descr=""/>
+          <p:cNvPicPr/>
+          <p:nvPr/>
+        </p:nvPicPr>
+        <p:blipFill>
+          <a:blip r:embed="rId1"/>
+          <a:stretch/>
+        </p:blipFill>
+        <p:spPr>
+          <a:xfrm>
+            <a:off x="360000" y="1204920"/>
+            <a:ext cx="5220000" cy="2935080"/>
+          </a:xfrm>
+          <a:prstGeom prst="rect">
+            <a:avLst/>
+          </a:prstGeom>
+          <a:ln w="0">
+            <a:noFill/>
+          </a:ln>
+        </p:spPr>
+      </p:pic>
+      <p:pic>
+        <p:nvPicPr>
+          <p:cNvPr id="158" name="" descr=""/>
+          <p:cNvPicPr/>
+          <p:nvPr/>
+        </p:nvPicPr>
+        <p:blipFill>
+          <a:blip r:embed="rId2"/>
+          <a:stretch/>
+        </p:blipFill>
+        <p:spPr>
+          <a:xfrm>
+            <a:off x="4680000" y="2340000"/>
+            <a:ext cx="5040360" cy="2834280"/>
+          </a:xfrm>
+          <a:prstGeom prst="rect">
+            <a:avLst/>
+          </a:prstGeom>
+          <a:ln w="0">
+            <a:noFill/>
+          </a:ln>
+        </p:spPr>
+      </p:pic>
+    </p:spTree>
+  </p:cSld>
+  <mc:AlternateContent>
+    <mc:Choice Requires="p14">
+      <p:transition spd="slow" p14:dur="2000"/>
+    </mc:Choice>
+    <mc:Fallback>
+      <p:transition spd="slow"/>
+    </mc:Fallback>
+  </mc:AlternateContent>
+</p:sld>
+</file>
+
+<file path=ppt/slides/slide9.xml><?xml version="1.0" encoding="utf-8"?>
+<p:sld xmlns:a="http://schemas.openxmlformats.org/drawingml/2006/main" xmlns:p="http://schemas.openxmlformats.org/presentationml/2006/main" xmlns:r="http://schemas.openxmlformats.org/officeDocument/2006/relationships" xmlns:p14="http://schemas.microsoft.com/office/powerpoint/2010/main" xmlns:p15="http://schemas.microsoft.com/office/powerpoint/2012/main" xmlns:mc="http://schemas.openxmlformats.org/markup-compatibility/2006">
+  <p:cSld>
+    <p:spTree>
+      <p:nvGrpSpPr>
+        <p:cNvPr id="1" name=""/>
+        <p:cNvGrpSpPr/>
+        <p:nvPr/>
+      </p:nvGrpSpPr>
+      <p:grpSpPr>
+        <a:xfrm>
+          <a:off x="0" y="0"/>
+          <a:ext cx="0" cy="0"/>
+          <a:chOff x="0" y="0"/>
+          <a:chExt cx="0" cy="0"/>
+        </a:xfrm>
+      </p:grpSpPr>
+      <p:sp>
+        <p:nvSpPr>
+          <p:cNvPr id="159" name="PlaceHolder 1"/>
+          <p:cNvSpPr>
+            <a:spLocks noGrp="1"/>
+          </p:cNvSpPr>
+          <p:nvPr>
+            <p:ph type="title"/>
+          </p:nvPr>
+        </p:nvSpPr>
+        <p:spPr>
+          <a:xfrm>
+            <a:off x="360000" y="225720"/>
+            <a:ext cx="9359280" cy="718200"/>
+          </a:xfrm>
+          <a:prstGeom prst="rect">
+            <a:avLst/>
+          </a:prstGeom>
+          <a:noFill/>
+          <a:ln w="0">
+            <a:noFill/>
+          </a:ln>
+        </p:spPr>
+        <p:txBody>
+          <a:bodyPr lIns="0" rIns="0" tIns="0" bIns="0" anchor="ctr">
+            <a:noAutofit/>
+          </a:bodyPr>
+          <a:p>
+            <a:pPr indent="0">
+              <a:lnSpc>
+                <a:spcPct val="90000"/>
+              </a:lnSpc>
+              <a:buNone/>
+              <a:tabLst>
+                <a:tab algn="l" pos="0"/>
+              </a:tabLst>
+            </a:pPr>
+            <a:r>
+              <a:rPr b="1" lang="ru-RU" sz="2700" spc="-1" strike="noStrike">
+                <a:solidFill>
+                  <a:srgbClr val="ffffff"/>
+                </a:solidFill>
+                <a:latin typeface="Source Sans Pro Black"/>
+                <a:ea typeface="DejaVu Sans"/>
+              </a:rPr>
+              <a:t>Перспективы дальнейшего развития</a:t>
+            </a:r>
+            <a:endParaRPr b="0" lang="ru-RU" sz="2700" spc="-1" strike="noStrike">
+              <a:solidFill>
+                <a:srgbClr val="000000"/>
+              </a:solidFill>
+              <a:latin typeface="Arial"/>
+            </a:endParaRPr>
+          </a:p>
+        </p:txBody>
+      </p:sp>
+      <p:sp>
+        <p:nvSpPr>
+          <p:cNvPr id="160" name="PlaceHolder 2"/>
+          <p:cNvSpPr>
+            <a:spLocks noGrp="1"/>
+          </p:cNvSpPr>
+          <p:nvPr>
+            <p:ph/>
+          </p:nvPr>
+        </p:nvSpPr>
+        <p:spPr>
+          <a:xfrm>
+            <a:off x="360000" y="1485000"/>
+            <a:ext cx="9359280" cy="3779280"/>
+          </a:xfrm>
+          <a:prstGeom prst="rect">
+            <a:avLst/>
+          </a:prstGeom>
+          <a:noFill/>
+          <a:ln w="0">
+            <a:noFill/>
+          </a:ln>
+        </p:spPr>
+        <p:txBody>
+          <a:bodyPr lIns="0" rIns="0" tIns="0" bIns="0" anchor="t">
+            <a:normAutofit/>
+          </a:bodyPr>
+          <a:p>
+            <a:pPr marL="228600" indent="-228600">
+              <a:lnSpc>
+                <a:spcPct val="90000"/>
+              </a:lnSpc>
+              <a:spcBef>
+                <a:spcPts val="1001"/>
+              </a:spcBef>
+              <a:buClr>
+                <a:srgbClr val="000000"/>
+              </a:buClr>
+              <a:buFont typeface="Arial"/>
+              <a:buChar char="•"/>
+            </a:pPr>
+            <a:r>
+              <a:rPr b="0" lang="ru-RU" sz="2800" spc="-1" strike="noStrike">
+                <a:solidFill>
+                  <a:srgbClr val="000000"/>
+                </a:solidFill>
+                <a:latin typeface="Arial"/>
+              </a:rPr>
+              <a:t>Игру можно сделать крупнее, увеличив карту, нарисовав собственные спрайты и текстуры, а так же добавив в игру новые возможности, которые сделают её интереснее.</a:t>
+            </a:r>
+            <a:endParaRPr b="0" lang="ru-RU" sz="2800" spc="-1" strike="noStrike">
+              <a:solidFill>
+                <a:srgbClr val="000000"/>
+              </a:solidFill>
+              <a:latin typeface="Arial"/>
+            </a:endParaRPr>
+          </a:p>
+        </p:txBody>
+      </p:sp>
     </p:spTree>
   </p:cSld>
   <mc:AlternateContent>
